--- a/Paper 1/Paper Presentation.pptx
+++ b/Paper 1/Paper Presentation.pptx
@@ -4,6 +4,9 @@
   <p:sldMasterIdLst>
     <p:sldMasterId id="2147483648" r:id="rId1"/>
   </p:sldMasterIdLst>
+  <p:sldIdLst>
+    <p:sldId id="256" r:id="rId2"/>
+  </p:sldIdLst>
   <p:sldSz cx="9144000" cy="6858000" type="screen4x3"/>
   <p:notesSz cx="6858000" cy="9144000"/>
   <p:defaultTextStyle>
@@ -286,7 +289,7 @@
             <a:fld id="{1D8BD707-D9CF-40AE-B4C6-C98DA3205C09}" type="datetimeFigureOut">
               <a:rPr lang="en-US" smtClean="0"/>
               <a:pPr/>
-              <a:t>9/18/2006</a:t>
+              <a:t>6/22/2020</a:t>
             </a:fld>
             <a:endParaRPr lang="en-US"/>
           </a:p>
@@ -453,7 +456,7 @@
             <a:fld id="{1D8BD707-D9CF-40AE-B4C6-C98DA3205C09}" type="datetimeFigureOut">
               <a:rPr lang="en-US" smtClean="0"/>
               <a:pPr/>
-              <a:t>9/18/2006</a:t>
+              <a:t>6/22/2020</a:t>
             </a:fld>
             <a:endParaRPr lang="en-US"/>
           </a:p>
@@ -630,7 +633,7 @@
             <a:fld id="{1D8BD707-D9CF-40AE-B4C6-C98DA3205C09}" type="datetimeFigureOut">
               <a:rPr lang="en-US" smtClean="0"/>
               <a:pPr/>
-              <a:t>9/18/2006</a:t>
+              <a:t>6/22/2020</a:t>
             </a:fld>
             <a:endParaRPr lang="en-US"/>
           </a:p>
@@ -797,7 +800,7 @@
             <a:fld id="{1D8BD707-D9CF-40AE-B4C6-C98DA3205C09}" type="datetimeFigureOut">
               <a:rPr lang="en-US" smtClean="0"/>
               <a:pPr/>
-              <a:t>9/18/2006</a:t>
+              <a:t>6/22/2020</a:t>
             </a:fld>
             <a:endParaRPr lang="en-US"/>
           </a:p>
@@ -1040,7 +1043,7 @@
             <a:fld id="{1D8BD707-D9CF-40AE-B4C6-C98DA3205C09}" type="datetimeFigureOut">
               <a:rPr lang="en-US" smtClean="0"/>
               <a:pPr/>
-              <a:t>9/18/2006</a:t>
+              <a:t>6/22/2020</a:t>
             </a:fld>
             <a:endParaRPr lang="en-US"/>
           </a:p>
@@ -1325,7 +1328,7 @@
             <a:fld id="{1D8BD707-D9CF-40AE-B4C6-C98DA3205C09}" type="datetimeFigureOut">
               <a:rPr lang="en-US" smtClean="0"/>
               <a:pPr/>
-              <a:t>9/18/2006</a:t>
+              <a:t>6/22/2020</a:t>
             </a:fld>
             <a:endParaRPr lang="en-US"/>
           </a:p>
@@ -1744,7 +1747,7 @@
             <a:fld id="{1D8BD707-D9CF-40AE-B4C6-C98DA3205C09}" type="datetimeFigureOut">
               <a:rPr lang="en-US" smtClean="0"/>
               <a:pPr/>
-              <a:t>9/18/2006</a:t>
+              <a:t>6/22/2020</a:t>
             </a:fld>
             <a:endParaRPr lang="en-US"/>
           </a:p>
@@ -1859,7 +1862,7 @@
             <a:fld id="{1D8BD707-D9CF-40AE-B4C6-C98DA3205C09}" type="datetimeFigureOut">
               <a:rPr lang="en-US" smtClean="0"/>
               <a:pPr/>
-              <a:t>9/18/2006</a:t>
+              <a:t>6/22/2020</a:t>
             </a:fld>
             <a:endParaRPr lang="en-US"/>
           </a:p>
@@ -1951,7 +1954,7 @@
             <a:fld id="{1D8BD707-D9CF-40AE-B4C6-C98DA3205C09}" type="datetimeFigureOut">
               <a:rPr lang="en-US" smtClean="0"/>
               <a:pPr/>
-              <a:t>9/18/2006</a:t>
+              <a:t>6/22/2020</a:t>
             </a:fld>
             <a:endParaRPr lang="en-US"/>
           </a:p>
@@ -2225,7 +2228,7 @@
             <a:fld id="{1D8BD707-D9CF-40AE-B4C6-C98DA3205C09}" type="datetimeFigureOut">
               <a:rPr lang="en-US" smtClean="0"/>
               <a:pPr/>
-              <a:t>9/18/2006</a:t>
+              <a:t>6/22/2020</a:t>
             </a:fld>
             <a:endParaRPr lang="en-US"/>
           </a:p>
@@ -2475,7 +2478,7 @@
             <a:fld id="{1D8BD707-D9CF-40AE-B4C6-C98DA3205C09}" type="datetimeFigureOut">
               <a:rPr lang="en-US" smtClean="0"/>
               <a:pPr/>
-              <a:t>9/18/2006</a:t>
+              <a:t>6/22/2020</a:t>
             </a:fld>
             <a:endParaRPr lang="en-US"/>
           </a:p>
@@ -2685,7 +2688,7 @@
             <a:fld id="{1D8BD707-D9CF-40AE-B4C6-C98DA3205C09}" type="datetimeFigureOut">
               <a:rPr lang="en-US" smtClean="0"/>
               <a:pPr/>
-              <a:t>9/18/2006</a:t>
+              <a:t>6/22/2020</a:t>
             </a:fld>
             <a:endParaRPr lang="en-US"/>
           </a:p>
@@ -3037,6 +3040,99 @@
     </p:otherStyle>
   </p:txStyles>
 </p:sldMaster>
+</file>
+
+<file path=ppt/slides/slide1.xml><?xml version="1.0" encoding="utf-8"?>
+<p:sld xmlns:a="http://schemas.openxmlformats.org/drawingml/2006/main" xmlns:r="http://schemas.openxmlformats.org/officeDocument/2006/relationships" xmlns:p="http://schemas.openxmlformats.org/presentationml/2006/main">
+  <p:cSld>
+    <p:spTree>
+      <p:nvGrpSpPr>
+        <p:cNvPr id="1" name=""/>
+        <p:cNvGrpSpPr/>
+        <p:nvPr/>
+      </p:nvGrpSpPr>
+      <p:grpSpPr>
+        <a:xfrm>
+          <a:off x="0" y="0"/>
+          <a:ext cx="0" cy="0"/>
+          <a:chOff x="0" y="0"/>
+          <a:chExt cx="0" cy="0"/>
+        </a:xfrm>
+      </p:grpSpPr>
+      <p:sp>
+        <p:nvSpPr>
+          <p:cNvPr id="2" name="Title 1"/>
+          <p:cNvSpPr>
+            <a:spLocks noGrp="1"/>
+          </p:cNvSpPr>
+          <p:nvPr>
+            <p:ph type="ctrTitle"/>
+          </p:nvPr>
+        </p:nvSpPr>
+        <p:spPr/>
+        <p:txBody>
+          <a:bodyPr/>
+          <a:lstStyle/>
+          <a:p>
+            <a:r>
+              <a:rPr lang="en-US" dirty="0"/>
+              <a:t>Analysis of User Behavior for Twitter Posts on </a:t>
+            </a:r>
+            <a:r>
+              <a:rPr lang="en-US" dirty="0" err="1"/>
+              <a:t>Hadoop</a:t>
+            </a:r>
+            <a:endParaRPr lang="en-IN" dirty="0"/>
+          </a:p>
+        </p:txBody>
+      </p:sp>
+      <p:sp>
+        <p:nvSpPr>
+          <p:cNvPr id="3" name="Subtitle 2"/>
+          <p:cNvSpPr>
+            <a:spLocks noGrp="1"/>
+          </p:cNvSpPr>
+          <p:nvPr>
+            <p:ph type="subTitle" idx="1"/>
+          </p:nvPr>
+        </p:nvSpPr>
+        <p:spPr/>
+        <p:txBody>
+          <a:bodyPr/>
+          <a:lstStyle/>
+          <a:p>
+            <a:pPr algn="r"/>
+            <a:r>
+              <a:rPr lang="en-IN" dirty="0" smtClean="0"/>
+              <a:t>- </a:t>
+            </a:r>
+            <a:r>
+              <a:rPr lang="en-IN" dirty="0" err="1" smtClean="0"/>
+              <a:t>Abhilash</a:t>
+            </a:r>
+            <a:r>
+              <a:rPr lang="en-IN" dirty="0" smtClean="0"/>
+              <a:t> </a:t>
+            </a:r>
+            <a:r>
+              <a:rPr lang="en-IN" smtClean="0"/>
+              <a:t>Saj</a:t>
+            </a:r>
+            <a:endParaRPr lang="en-IN"/>
+          </a:p>
+        </p:txBody>
+      </p:sp>
+    </p:spTree>
+    <p:extLst>
+      <p:ext uri="{BB962C8B-B14F-4D97-AF65-F5344CB8AC3E}">
+        <p14:creationId xmlns:p14="http://schemas.microsoft.com/office/powerpoint/2010/main" val="1553497723"/>
+      </p:ext>
+    </p:extLst>
+  </p:cSld>
+  <p:clrMapOvr>
+    <a:masterClrMapping/>
+  </p:clrMapOvr>
+</p:sld>
 </file>
 
 <file path=ppt/theme/theme1.xml><?xml version="1.0" encoding="utf-8"?>

--- a/Paper 1/Paper Presentation.pptx
+++ b/Paper 1/Paper Presentation.pptx
@@ -6,6 +6,8 @@
   </p:sldMasterIdLst>
   <p:sldIdLst>
     <p:sldId id="256" r:id="rId2"/>
+    <p:sldId id="257" r:id="rId3"/>
+    <p:sldId id="258" r:id="rId4"/>
   </p:sldIdLst>
   <p:sldSz cx="9144000" cy="6858000" type="screen4x3"/>
   <p:notesSz cx="6858000" cy="9144000"/>
@@ -289,7 +291,7 @@
             <a:fld id="{1D8BD707-D9CF-40AE-B4C6-C98DA3205C09}" type="datetimeFigureOut">
               <a:rPr lang="en-US" smtClean="0"/>
               <a:pPr/>
-              <a:t>6/22/2020</a:t>
+              <a:t>6/23/2020</a:t>
             </a:fld>
             <a:endParaRPr lang="en-US"/>
           </a:p>
@@ -456,7 +458,7 @@
             <a:fld id="{1D8BD707-D9CF-40AE-B4C6-C98DA3205C09}" type="datetimeFigureOut">
               <a:rPr lang="en-US" smtClean="0"/>
               <a:pPr/>
-              <a:t>6/22/2020</a:t>
+              <a:t>6/23/2020</a:t>
             </a:fld>
             <a:endParaRPr lang="en-US"/>
           </a:p>
@@ -633,7 +635,7 @@
             <a:fld id="{1D8BD707-D9CF-40AE-B4C6-C98DA3205C09}" type="datetimeFigureOut">
               <a:rPr lang="en-US" smtClean="0"/>
               <a:pPr/>
-              <a:t>6/22/2020</a:t>
+              <a:t>6/23/2020</a:t>
             </a:fld>
             <a:endParaRPr lang="en-US"/>
           </a:p>
@@ -800,7 +802,7 @@
             <a:fld id="{1D8BD707-D9CF-40AE-B4C6-C98DA3205C09}" type="datetimeFigureOut">
               <a:rPr lang="en-US" smtClean="0"/>
               <a:pPr/>
-              <a:t>6/22/2020</a:t>
+              <a:t>6/23/2020</a:t>
             </a:fld>
             <a:endParaRPr lang="en-US"/>
           </a:p>
@@ -1043,7 +1045,7 @@
             <a:fld id="{1D8BD707-D9CF-40AE-B4C6-C98DA3205C09}" type="datetimeFigureOut">
               <a:rPr lang="en-US" smtClean="0"/>
               <a:pPr/>
-              <a:t>6/22/2020</a:t>
+              <a:t>6/23/2020</a:t>
             </a:fld>
             <a:endParaRPr lang="en-US"/>
           </a:p>
@@ -1328,7 +1330,7 @@
             <a:fld id="{1D8BD707-D9CF-40AE-B4C6-C98DA3205C09}" type="datetimeFigureOut">
               <a:rPr lang="en-US" smtClean="0"/>
               <a:pPr/>
-              <a:t>6/22/2020</a:t>
+              <a:t>6/23/2020</a:t>
             </a:fld>
             <a:endParaRPr lang="en-US"/>
           </a:p>
@@ -1747,7 +1749,7 @@
             <a:fld id="{1D8BD707-D9CF-40AE-B4C6-C98DA3205C09}" type="datetimeFigureOut">
               <a:rPr lang="en-US" smtClean="0"/>
               <a:pPr/>
-              <a:t>6/22/2020</a:t>
+              <a:t>6/23/2020</a:t>
             </a:fld>
             <a:endParaRPr lang="en-US"/>
           </a:p>
@@ -1862,7 +1864,7 @@
             <a:fld id="{1D8BD707-D9CF-40AE-B4C6-C98DA3205C09}" type="datetimeFigureOut">
               <a:rPr lang="en-US" smtClean="0"/>
               <a:pPr/>
-              <a:t>6/22/2020</a:t>
+              <a:t>6/23/2020</a:t>
             </a:fld>
             <a:endParaRPr lang="en-US"/>
           </a:p>
@@ -1954,7 +1956,7 @@
             <a:fld id="{1D8BD707-D9CF-40AE-B4C6-C98DA3205C09}" type="datetimeFigureOut">
               <a:rPr lang="en-US" smtClean="0"/>
               <a:pPr/>
-              <a:t>6/22/2020</a:t>
+              <a:t>6/23/2020</a:t>
             </a:fld>
             <a:endParaRPr lang="en-US"/>
           </a:p>
@@ -2228,7 +2230,7 @@
             <a:fld id="{1D8BD707-D9CF-40AE-B4C6-C98DA3205C09}" type="datetimeFigureOut">
               <a:rPr lang="en-US" smtClean="0"/>
               <a:pPr/>
-              <a:t>6/22/2020</a:t>
+              <a:t>6/23/2020</a:t>
             </a:fld>
             <a:endParaRPr lang="en-US"/>
           </a:p>
@@ -2478,7 +2480,7 @@
             <a:fld id="{1D8BD707-D9CF-40AE-B4C6-C98DA3205C09}" type="datetimeFigureOut">
               <a:rPr lang="en-US" smtClean="0"/>
               <a:pPr/>
-              <a:t>6/22/2020</a:t>
+              <a:t>6/23/2020</a:t>
             </a:fld>
             <a:endParaRPr lang="en-US"/>
           </a:p>
@@ -2688,7 +2690,7 @@
             <a:fld id="{1D8BD707-D9CF-40AE-B4C6-C98DA3205C09}" type="datetimeFigureOut">
               <a:rPr lang="en-US" smtClean="0"/>
               <a:pPr/>
-              <a:t>6/22/2020</a:t>
+              <a:t>6/23/2020</a:t>
             </a:fld>
             <a:endParaRPr lang="en-US"/>
           </a:p>
@@ -3126,6 +3128,234 @@
     <p:extLst>
       <p:ext uri="{BB962C8B-B14F-4D97-AF65-F5344CB8AC3E}">
         <p14:creationId xmlns:p14="http://schemas.microsoft.com/office/powerpoint/2010/main" val="1553497723"/>
+      </p:ext>
+    </p:extLst>
+  </p:cSld>
+  <p:clrMapOvr>
+    <a:masterClrMapping/>
+  </p:clrMapOvr>
+</p:sld>
+</file>
+
+<file path=ppt/slides/slide2.xml><?xml version="1.0" encoding="utf-8"?>
+<p:sld xmlns:a="http://schemas.openxmlformats.org/drawingml/2006/main" xmlns:r="http://schemas.openxmlformats.org/officeDocument/2006/relationships" xmlns:p="http://schemas.openxmlformats.org/presentationml/2006/main">
+  <p:cSld>
+    <p:spTree>
+      <p:nvGrpSpPr>
+        <p:cNvPr id="1" name=""/>
+        <p:cNvGrpSpPr/>
+        <p:nvPr/>
+      </p:nvGrpSpPr>
+      <p:grpSpPr>
+        <a:xfrm>
+          <a:off x="0" y="0"/>
+          <a:ext cx="0" cy="0"/>
+          <a:chOff x="0" y="0"/>
+          <a:chExt cx="0" cy="0"/>
+        </a:xfrm>
+      </p:grpSpPr>
+      <p:sp>
+        <p:nvSpPr>
+          <p:cNvPr id="2" name="Title 1"/>
+          <p:cNvSpPr>
+            <a:spLocks noGrp="1"/>
+          </p:cNvSpPr>
+          <p:nvPr>
+            <p:ph type="title"/>
+          </p:nvPr>
+        </p:nvSpPr>
+        <p:spPr/>
+        <p:txBody>
+          <a:bodyPr/>
+          <a:lstStyle/>
+          <a:p>
+            <a:r>
+              <a:rPr lang="en-IN" dirty="0"/>
+              <a:t>INTRODUCTION</a:t>
+            </a:r>
+          </a:p>
+        </p:txBody>
+      </p:sp>
+      <p:sp>
+        <p:nvSpPr>
+          <p:cNvPr id="3" name="Content Placeholder 2"/>
+          <p:cNvSpPr>
+            <a:spLocks noGrp="1"/>
+          </p:cNvSpPr>
+          <p:nvPr>
+            <p:ph idx="1"/>
+          </p:nvPr>
+        </p:nvSpPr>
+        <p:spPr/>
+        <p:txBody>
+          <a:bodyPr>
+            <a:normAutofit/>
+          </a:bodyPr>
+          <a:lstStyle/>
+          <a:p>
+            <a:r>
+              <a:rPr lang="en-US" sz="2400" dirty="0"/>
+              <a:t>Big Data refers to collection of large datasets containing massive amount of data whose size is in the range of Petabytes, </a:t>
+            </a:r>
+            <a:r>
+              <a:rPr lang="en-US" sz="2400" dirty="0" err="1"/>
+              <a:t>Zettabytes</a:t>
+            </a:r>
+            <a:r>
+              <a:rPr lang="en-US" sz="2400" dirty="0"/>
+              <a:t>, or with high rate of growth, and complexity that make them difficult to process and </a:t>
+            </a:r>
+            <a:r>
+              <a:rPr lang="en-US" sz="2400" dirty="0" err="1"/>
+              <a:t>analyse</a:t>
+            </a:r>
+            <a:r>
+              <a:rPr lang="en-US" sz="2400" dirty="0"/>
+              <a:t> using conventional database technologies. </a:t>
+            </a:r>
+            <a:endParaRPr lang="en-IN" sz="2400" dirty="0"/>
+          </a:p>
+        </p:txBody>
+      </p:sp>
+      <p:pic>
+        <p:nvPicPr>
+          <p:cNvPr id="1026" name="Picture 2" descr="Big Data"/>
+          <p:cNvPicPr>
+            <a:picLocks noChangeAspect="1" noChangeArrowheads="1"/>
+          </p:cNvPicPr>
+          <p:nvPr/>
+        </p:nvPicPr>
+        <p:blipFill>
+          <a:blip r:embed="rId2">
+            <a:extLst>
+              <a:ext uri="{28A0092B-C50C-407E-A947-70E740481C1C}">
+                <a14:useLocalDpi xmlns:a14="http://schemas.microsoft.com/office/drawing/2010/main" val="0"/>
+              </a:ext>
+            </a:extLst>
+          </a:blip>
+          <a:srcRect/>
+          <a:stretch>
+            <a:fillRect/>
+          </a:stretch>
+        </p:blipFill>
+        <p:spPr bwMode="auto">
+          <a:xfrm>
+            <a:off x="1905000" y="3810000"/>
+            <a:ext cx="4724400" cy="2836004"/>
+          </a:xfrm>
+          <a:prstGeom prst="rect">
+            <a:avLst/>
+          </a:prstGeom>
+          <a:noFill/>
+          <a:extLst>
+            <a:ext uri="{909E8E84-426E-40DD-AFC4-6F175D3DCCD1}">
+              <a14:hiddenFill xmlns:a14="http://schemas.microsoft.com/office/drawing/2010/main">
+                <a:solidFill>
+                  <a:srgbClr val="FFFFFF"/>
+                </a:solidFill>
+              </a14:hiddenFill>
+            </a:ext>
+          </a:extLst>
+        </p:spPr>
+      </p:pic>
+    </p:spTree>
+    <p:extLst>
+      <p:ext uri="{BB962C8B-B14F-4D97-AF65-F5344CB8AC3E}">
+        <p14:creationId xmlns:p14="http://schemas.microsoft.com/office/powerpoint/2010/main" val="1020497212"/>
+      </p:ext>
+    </p:extLst>
+  </p:cSld>
+  <p:clrMapOvr>
+    <a:masterClrMapping/>
+  </p:clrMapOvr>
+</p:sld>
+</file>
+
+<file path=ppt/slides/slide3.xml><?xml version="1.0" encoding="utf-8"?>
+<p:sld xmlns:a="http://schemas.openxmlformats.org/drawingml/2006/main" xmlns:r="http://schemas.openxmlformats.org/officeDocument/2006/relationships" xmlns:p="http://schemas.openxmlformats.org/presentationml/2006/main">
+  <p:cSld>
+    <p:spTree>
+      <p:nvGrpSpPr>
+        <p:cNvPr id="1" name=""/>
+        <p:cNvGrpSpPr/>
+        <p:nvPr/>
+      </p:nvGrpSpPr>
+      <p:grpSpPr>
+        <a:xfrm>
+          <a:off x="0" y="0"/>
+          <a:ext cx="0" cy="0"/>
+          <a:chOff x="0" y="0"/>
+          <a:chExt cx="0" cy="0"/>
+        </a:xfrm>
+      </p:grpSpPr>
+      <p:sp>
+        <p:nvSpPr>
+          <p:cNvPr id="2" name="Title 1"/>
+          <p:cNvSpPr>
+            <a:spLocks noGrp="1"/>
+          </p:cNvSpPr>
+          <p:nvPr>
+            <p:ph type="title"/>
+          </p:nvPr>
+        </p:nvSpPr>
+        <p:spPr/>
+        <p:txBody>
+          <a:bodyPr/>
+          <a:lstStyle/>
+          <a:p>
+            <a:r>
+              <a:rPr lang="en-IN" dirty="0" smtClean="0"/>
+              <a:t>SOURCES  OF BIG DATA</a:t>
+            </a:r>
+            <a:endParaRPr lang="en-IN" dirty="0"/>
+          </a:p>
+        </p:txBody>
+      </p:sp>
+      <p:pic>
+        <p:nvPicPr>
+          <p:cNvPr id="2052" name="Picture 4" descr="http://www.allerin.com/wp-blog/wp-content/uploads/2017/11/Top-5-sources-of-big-data.jpg"/>
+          <p:cNvPicPr>
+            <a:picLocks noChangeAspect="1" noChangeArrowheads="1"/>
+          </p:cNvPicPr>
+          <p:nvPr/>
+        </p:nvPicPr>
+        <p:blipFill>
+          <a:blip r:embed="rId2">
+            <a:extLst>
+              <a:ext uri="{28A0092B-C50C-407E-A947-70E740481C1C}">
+                <a14:useLocalDpi xmlns:a14="http://schemas.microsoft.com/office/drawing/2010/main" val="0"/>
+              </a:ext>
+            </a:extLst>
+          </a:blip>
+          <a:srcRect/>
+          <a:stretch>
+            <a:fillRect/>
+          </a:stretch>
+        </p:blipFill>
+        <p:spPr bwMode="auto">
+          <a:xfrm>
+            <a:off x="271530" y="1447800"/>
+            <a:ext cx="8629650" cy="3200401"/>
+          </a:xfrm>
+          <a:prstGeom prst="rect">
+            <a:avLst/>
+          </a:prstGeom>
+          <a:noFill/>
+          <a:extLst>
+            <a:ext uri="{909E8E84-426E-40DD-AFC4-6F175D3DCCD1}">
+              <a14:hiddenFill xmlns:a14="http://schemas.microsoft.com/office/drawing/2010/main">
+                <a:solidFill>
+                  <a:srgbClr val="FFFFFF"/>
+                </a:solidFill>
+              </a14:hiddenFill>
+            </a:ext>
+          </a:extLst>
+        </p:spPr>
+      </p:pic>
+    </p:spTree>
+    <p:extLst>
+      <p:ext uri="{BB962C8B-B14F-4D97-AF65-F5344CB8AC3E}">
+        <p14:creationId xmlns:p14="http://schemas.microsoft.com/office/powerpoint/2010/main" val="3147237977"/>
       </p:ext>
     </p:extLst>
   </p:cSld>

--- a/Paper 1/Paper Presentation.pptx
+++ b/Paper 1/Paper Presentation.pptx
@@ -8,6 +8,9 @@
     <p:sldId id="256" r:id="rId2"/>
     <p:sldId id="257" r:id="rId3"/>
     <p:sldId id="258" r:id="rId4"/>
+    <p:sldId id="259" r:id="rId5"/>
+    <p:sldId id="260" r:id="rId6"/>
+    <p:sldId id="261" r:id="rId7"/>
   </p:sldIdLst>
   <p:sldSz cx="9144000" cy="6858000" type="screen4x3"/>
   <p:notesSz cx="6858000" cy="9144000"/>
@@ -3134,6 +3137,13 @@
   <p:clrMapOvr>
     <a:masterClrMapping/>
   </p:clrMapOvr>
+  <p:timing>
+    <p:tnLst>
+      <p:par>
+        <p:cTn id="1" dur="indefinite" restart="never" nodeType="tmRoot"/>
+      </p:par>
+    </p:tnLst>
+  </p:timing>
 </p:sld>
 </file>
 
@@ -3170,9 +3180,10 @@
           <a:lstStyle/>
           <a:p>
             <a:r>
-              <a:rPr lang="en-IN" dirty="0"/>
-              <a:t>INTRODUCTION</a:t>
-            </a:r>
+              <a:rPr lang="en-IN" dirty="0" smtClean="0"/>
+              <a:t>INTRODUCTION – BIG DATA</a:t>
+            </a:r>
+            <a:endParaRPr lang="en-IN" dirty="0"/>
           </a:p>
         </p:txBody>
       </p:sp>
@@ -3194,24 +3205,42 @@
           <a:lstStyle/>
           <a:p>
             <a:r>
+              <a:rPr lang="en-US" sz="2400" dirty="0" smtClean="0"/>
+              <a:t>Collection </a:t>
+            </a:r>
+            <a:r>
               <a:rPr lang="en-US" sz="2400" dirty="0"/>
-              <a:t>Big Data refers to collection of large datasets containing massive amount of data whose size is in the range of Petabytes, </a:t>
-            </a:r>
-            <a:r>
-              <a:rPr lang="en-US" sz="2400" dirty="0" err="1"/>
-              <a:t>Zettabytes</a:t>
+              <a:t>of large datasets </a:t>
+            </a:r>
+            <a:endParaRPr lang="en-US" sz="2400" dirty="0" smtClean="0"/>
+          </a:p>
+          <a:p>
+            <a:r>
+              <a:rPr lang="en-IN" sz="2400" dirty="0"/>
+              <a:t>S</a:t>
+            </a:r>
+            <a:r>
+              <a:rPr lang="en-IN" sz="2400" dirty="0" smtClean="0"/>
+              <a:t>tructured </a:t>
+            </a:r>
+            <a:r>
+              <a:rPr lang="en-IN" sz="2400" dirty="0"/>
+              <a:t>and unstructured data</a:t>
+            </a:r>
+            <a:endParaRPr lang="en-US" sz="2400" dirty="0" smtClean="0"/>
+          </a:p>
+          <a:p>
+            <a:r>
+              <a:rPr lang="en-US" sz="2400" dirty="0" smtClean="0"/>
+              <a:t>Difficult to </a:t>
             </a:r>
             <a:r>
               <a:rPr lang="en-US" sz="2400" dirty="0"/>
-              <a:t>, or with high rate of growth, and complexity that make them difficult to process and </a:t>
-            </a:r>
-            <a:r>
-              <a:rPr lang="en-US" sz="2400" dirty="0" err="1"/>
-              <a:t>analyse</a:t>
-            </a:r>
-            <a:r>
-              <a:rPr lang="en-US" sz="2400" dirty="0"/>
-              <a:t> using conventional database technologies. </a:t>
+              <a:t>process and </a:t>
+            </a:r>
+            <a:r>
+              <a:rPr lang="en-US" sz="2400" dirty="0" smtClean="0"/>
+              <a:t>analyze</a:t>
             </a:r>
             <a:endParaRPr lang="en-IN" sz="2400" dirty="0"/>
           </a:p>
@@ -3240,7 +3269,7 @@
         </p:blipFill>
         <p:spPr bwMode="auto">
           <a:xfrm>
-            <a:off x="1905000" y="3810000"/>
+            <a:off x="2057400" y="3276600"/>
             <a:ext cx="4724400" cy="2836004"/>
           </a:xfrm>
           <a:prstGeom prst="rect">
@@ -3268,6 +3297,13 @@
   <p:clrMapOvr>
     <a:masterClrMapping/>
   </p:clrMapOvr>
+  <p:timing>
+    <p:tnLst>
+      <p:par>
+        <p:cTn id="1" dur="indefinite" restart="never" nodeType="tmRoot"/>
+      </p:par>
+    </p:tnLst>
+  </p:timing>
 </p:sld>
 </file>
 
@@ -3356,6 +3392,293 @@
     <p:extLst>
       <p:ext uri="{BB962C8B-B14F-4D97-AF65-F5344CB8AC3E}">
         <p14:creationId xmlns:p14="http://schemas.microsoft.com/office/powerpoint/2010/main" val="3147237977"/>
+      </p:ext>
+    </p:extLst>
+  </p:cSld>
+  <p:clrMapOvr>
+    <a:masterClrMapping/>
+  </p:clrMapOvr>
+  <p:timing>
+    <p:tnLst>
+      <p:par>
+        <p:cTn id="1" dur="indefinite" restart="never" nodeType="tmRoot"/>
+      </p:par>
+    </p:tnLst>
+  </p:timing>
+</p:sld>
+</file>
+
+<file path=ppt/slides/slide4.xml><?xml version="1.0" encoding="utf-8"?>
+<p:sld xmlns:a="http://schemas.openxmlformats.org/drawingml/2006/main" xmlns:r="http://schemas.openxmlformats.org/officeDocument/2006/relationships" xmlns:p="http://schemas.openxmlformats.org/presentationml/2006/main">
+  <p:cSld>
+    <p:spTree>
+      <p:nvGrpSpPr>
+        <p:cNvPr id="1" name=""/>
+        <p:cNvGrpSpPr/>
+        <p:nvPr/>
+      </p:nvGrpSpPr>
+      <p:grpSpPr>
+        <a:xfrm>
+          <a:off x="0" y="0"/>
+          <a:ext cx="0" cy="0"/>
+          <a:chOff x="0" y="0"/>
+          <a:chExt cx="0" cy="0"/>
+        </a:xfrm>
+      </p:grpSpPr>
+      <p:pic>
+        <p:nvPicPr>
+          <p:cNvPr id="1026" name="Picture 2" descr="5 Things You Need to Know about Sentiment Analysis and Classification"/>
+          <p:cNvPicPr>
+            <a:picLocks noChangeAspect="1" noChangeArrowheads="1"/>
+          </p:cNvPicPr>
+          <p:nvPr/>
+        </p:nvPicPr>
+        <p:blipFill>
+          <a:blip r:embed="rId2">
+            <a:extLst>
+              <a:ext uri="{28A0092B-C50C-407E-A947-70E740481C1C}">
+                <a14:useLocalDpi xmlns:a14="http://schemas.microsoft.com/office/drawing/2010/main" val="0"/>
+              </a:ext>
+            </a:extLst>
+          </a:blip>
+          <a:srcRect/>
+          <a:stretch>
+            <a:fillRect/>
+          </a:stretch>
+        </p:blipFill>
+        <p:spPr bwMode="auto">
+          <a:xfrm>
+            <a:off x="0" y="-5366"/>
+            <a:ext cx="9146730" cy="6863366"/>
+          </a:xfrm>
+          <a:prstGeom prst="rect">
+            <a:avLst/>
+          </a:prstGeom>
+          <a:noFill/>
+          <a:extLst>
+            <a:ext uri="{909E8E84-426E-40DD-AFC4-6F175D3DCCD1}">
+              <a14:hiddenFill xmlns:a14="http://schemas.microsoft.com/office/drawing/2010/main">
+                <a:solidFill>
+                  <a:srgbClr val="FFFFFF"/>
+                </a:solidFill>
+              </a14:hiddenFill>
+            </a:ext>
+          </a:extLst>
+        </p:spPr>
+      </p:pic>
+    </p:spTree>
+    <p:extLst>
+      <p:ext uri="{BB962C8B-B14F-4D97-AF65-F5344CB8AC3E}">
+        <p14:creationId xmlns:p14="http://schemas.microsoft.com/office/powerpoint/2010/main" val="1796849145"/>
+      </p:ext>
+    </p:extLst>
+  </p:cSld>
+  <p:clrMapOvr>
+    <a:masterClrMapping/>
+  </p:clrMapOvr>
+  <p:timing>
+    <p:tnLst>
+      <p:par>
+        <p:cTn id="1" dur="indefinite" restart="never" nodeType="tmRoot"/>
+      </p:par>
+    </p:tnLst>
+  </p:timing>
+</p:sld>
+</file>
+
+<file path=ppt/slides/slide5.xml><?xml version="1.0" encoding="utf-8"?>
+<p:sld xmlns:a="http://schemas.openxmlformats.org/drawingml/2006/main" xmlns:r="http://schemas.openxmlformats.org/officeDocument/2006/relationships" xmlns:p="http://schemas.openxmlformats.org/presentationml/2006/main">
+  <p:cSld>
+    <p:spTree>
+      <p:nvGrpSpPr>
+        <p:cNvPr id="1" name=""/>
+        <p:cNvGrpSpPr/>
+        <p:nvPr/>
+      </p:nvGrpSpPr>
+      <p:grpSpPr>
+        <a:xfrm>
+          <a:off x="0" y="0"/>
+          <a:ext cx="0" cy="0"/>
+          <a:chOff x="0" y="0"/>
+          <a:chExt cx="0" cy="0"/>
+        </a:xfrm>
+      </p:grpSpPr>
+      <p:sp>
+        <p:nvSpPr>
+          <p:cNvPr id="2" name="Title 1"/>
+          <p:cNvSpPr>
+            <a:spLocks noGrp="1"/>
+          </p:cNvSpPr>
+          <p:nvPr>
+            <p:ph type="title"/>
+          </p:nvPr>
+        </p:nvSpPr>
+        <p:spPr/>
+        <p:txBody>
+          <a:bodyPr/>
+          <a:lstStyle/>
+          <a:p>
+            <a:r>
+              <a:rPr lang="en-IN" dirty="0" smtClean="0"/>
+              <a:t>Project</a:t>
+            </a:r>
+            <a:endParaRPr lang="en-IN" dirty="0"/>
+          </a:p>
+        </p:txBody>
+      </p:sp>
+      <p:sp>
+        <p:nvSpPr>
+          <p:cNvPr id="3" name="Content Placeholder 2"/>
+          <p:cNvSpPr>
+            <a:spLocks noGrp="1"/>
+          </p:cNvSpPr>
+          <p:nvPr>
+            <p:ph idx="1"/>
+          </p:nvPr>
+        </p:nvSpPr>
+        <p:spPr/>
+        <p:txBody>
+          <a:bodyPr/>
+          <a:lstStyle/>
+          <a:p>
+            <a:r>
+              <a:rPr lang="en-US" dirty="0" smtClean="0"/>
+              <a:t>Tweet analysis </a:t>
+            </a:r>
+            <a:r>
+              <a:rPr lang="en-US" dirty="0"/>
+              <a:t>for user </a:t>
+            </a:r>
+            <a:r>
+              <a:rPr lang="en-US" dirty="0" smtClean="0"/>
+              <a:t>behavior.</a:t>
+            </a:r>
+          </a:p>
+          <a:p>
+            <a:r>
+              <a:rPr lang="en-US" dirty="0"/>
+              <a:t>Tweets are available in JSON format which is to be converted into a structured data</a:t>
+            </a:r>
+            <a:r>
+              <a:rPr lang="en-US" dirty="0" smtClean="0"/>
+              <a:t>.</a:t>
+            </a:r>
+          </a:p>
+          <a:p>
+            <a:r>
+              <a:rPr lang="en-US" dirty="0" smtClean="0"/>
+              <a:t>Output  </a:t>
+            </a:r>
+            <a:r>
+              <a:rPr lang="en-US" dirty="0"/>
+              <a:t>how users behave for particular topic in certain country and city. </a:t>
+            </a:r>
+            <a:endParaRPr lang="en-IN" dirty="0"/>
+          </a:p>
+        </p:txBody>
+      </p:sp>
+    </p:spTree>
+    <p:extLst>
+      <p:ext uri="{BB962C8B-B14F-4D97-AF65-F5344CB8AC3E}">
+        <p14:creationId xmlns:p14="http://schemas.microsoft.com/office/powerpoint/2010/main" val="756008031"/>
+      </p:ext>
+    </p:extLst>
+  </p:cSld>
+  <p:clrMapOvr>
+    <a:masterClrMapping/>
+  </p:clrMapOvr>
+</p:sld>
+</file>
+
+<file path=ppt/slides/slide6.xml><?xml version="1.0" encoding="utf-8"?>
+<p:sld xmlns:a="http://schemas.openxmlformats.org/drawingml/2006/main" xmlns:r="http://schemas.openxmlformats.org/officeDocument/2006/relationships" xmlns:p="http://schemas.openxmlformats.org/presentationml/2006/main">
+  <p:cSld>
+    <p:spTree>
+      <p:nvGrpSpPr>
+        <p:cNvPr id="1" name=""/>
+        <p:cNvGrpSpPr/>
+        <p:nvPr/>
+      </p:nvGrpSpPr>
+      <p:grpSpPr>
+        <a:xfrm>
+          <a:off x="0" y="0"/>
+          <a:ext cx="0" cy="0"/>
+          <a:chOff x="0" y="0"/>
+          <a:chExt cx="0" cy="0"/>
+        </a:xfrm>
+      </p:grpSpPr>
+      <p:sp>
+        <p:nvSpPr>
+          <p:cNvPr id="2" name="Title 1"/>
+          <p:cNvSpPr>
+            <a:spLocks noGrp="1"/>
+          </p:cNvSpPr>
+          <p:nvPr>
+            <p:ph type="title"/>
+          </p:nvPr>
+        </p:nvSpPr>
+        <p:spPr/>
+        <p:txBody>
+          <a:bodyPr/>
+          <a:lstStyle/>
+          <a:p>
+            <a:r>
+              <a:rPr lang="en-US" dirty="0"/>
+              <a:t>Challenges with social media data </a:t>
+            </a:r>
+            <a:endParaRPr lang="en-IN" dirty="0"/>
+          </a:p>
+        </p:txBody>
+      </p:sp>
+      <p:sp>
+        <p:nvSpPr>
+          <p:cNvPr id="3" name="Content Placeholder 2"/>
+          <p:cNvSpPr>
+            <a:spLocks noGrp="1"/>
+          </p:cNvSpPr>
+          <p:nvPr>
+            <p:ph idx="1"/>
+          </p:nvPr>
+        </p:nvSpPr>
+        <p:spPr/>
+        <p:txBody>
+          <a:bodyPr/>
+          <a:lstStyle/>
+          <a:p>
+            <a:r>
+              <a:rPr lang="en-IN" dirty="0"/>
+              <a:t>Grammar and </a:t>
+            </a:r>
+            <a:r>
+              <a:rPr lang="en-IN" dirty="0" smtClean="0"/>
+              <a:t>Spellings</a:t>
+            </a:r>
+          </a:p>
+          <a:p>
+            <a:r>
+              <a:rPr lang="en-IN" dirty="0" smtClean="0"/>
+              <a:t>Trustworthiness</a:t>
+            </a:r>
+          </a:p>
+          <a:p>
+            <a:r>
+              <a:rPr lang="en-IN" dirty="0" smtClean="0"/>
+              <a:t>Format</a:t>
+            </a:r>
+          </a:p>
+          <a:p>
+            <a:r>
+              <a:rPr lang="en-IN"/>
+              <a:t>Language</a:t>
+            </a:r>
+            <a:endParaRPr lang="en-IN"/>
+          </a:p>
+        </p:txBody>
+      </p:sp>
+    </p:spTree>
+    <p:extLst>
+      <p:ext uri="{BB962C8B-B14F-4D97-AF65-F5344CB8AC3E}">
+        <p14:creationId xmlns:p14="http://schemas.microsoft.com/office/powerpoint/2010/main" val="3465331580"/>
       </p:ext>
     </p:extLst>
   </p:cSld>

--- a/Paper 1/Paper Presentation.pptx
+++ b/Paper 1/Paper Presentation.pptx
@@ -8,9 +8,14 @@
     <p:sldId id="256" r:id="rId2"/>
     <p:sldId id="257" r:id="rId3"/>
     <p:sldId id="258" r:id="rId4"/>
-    <p:sldId id="259" r:id="rId5"/>
-    <p:sldId id="260" r:id="rId6"/>
-    <p:sldId id="261" r:id="rId7"/>
+    <p:sldId id="266" r:id="rId5"/>
+    <p:sldId id="259" r:id="rId6"/>
+    <p:sldId id="260" r:id="rId7"/>
+    <p:sldId id="261" r:id="rId8"/>
+    <p:sldId id="262" r:id="rId9"/>
+    <p:sldId id="263" r:id="rId10"/>
+    <p:sldId id="264" r:id="rId11"/>
+    <p:sldId id="265" r:id="rId12"/>
   </p:sldIdLst>
   <p:sldSz cx="9144000" cy="6858000" type="screen4x3"/>
   <p:notesSz cx="6858000" cy="9144000"/>
@@ -3147,6 +3152,177 @@
 </p:sld>
 </file>
 
+<file path=ppt/slides/slide10.xml><?xml version="1.0" encoding="utf-8"?>
+<p:sld xmlns:a="http://schemas.openxmlformats.org/drawingml/2006/main" xmlns:r="http://schemas.openxmlformats.org/officeDocument/2006/relationships" xmlns:p="http://schemas.openxmlformats.org/presentationml/2006/main">
+  <p:cSld>
+    <p:spTree>
+      <p:nvGrpSpPr>
+        <p:cNvPr id="1" name=""/>
+        <p:cNvGrpSpPr/>
+        <p:nvPr/>
+      </p:nvGrpSpPr>
+      <p:grpSpPr>
+        <a:xfrm>
+          <a:off x="0" y="0"/>
+          <a:ext cx="0" cy="0"/>
+          <a:chOff x="0" y="0"/>
+          <a:chExt cx="0" cy="0"/>
+        </a:xfrm>
+      </p:grpSpPr>
+      <p:sp>
+        <p:nvSpPr>
+          <p:cNvPr id="2" name="Title 1"/>
+          <p:cNvSpPr>
+            <a:spLocks noGrp="1"/>
+          </p:cNvSpPr>
+          <p:nvPr>
+            <p:ph type="title"/>
+          </p:nvPr>
+        </p:nvSpPr>
+        <p:spPr/>
+        <p:txBody>
+          <a:bodyPr/>
+          <a:lstStyle/>
+          <a:p>
+            <a:r>
+              <a:rPr lang="en-US" dirty="0" smtClean="0"/>
+              <a:t>Proposed </a:t>
+            </a:r>
+            <a:r>
+              <a:rPr lang="en-US" dirty="0"/>
+              <a:t>system</a:t>
+            </a:r>
+            <a:endParaRPr lang="en-IN" dirty="0"/>
+          </a:p>
+        </p:txBody>
+      </p:sp>
+      <p:sp>
+        <p:nvSpPr>
+          <p:cNvPr id="3" name="Content Placeholder 2"/>
+          <p:cNvSpPr>
+            <a:spLocks noGrp="1"/>
+          </p:cNvSpPr>
+          <p:nvPr>
+            <p:ph idx="1"/>
+          </p:nvPr>
+        </p:nvSpPr>
+        <p:spPr/>
+        <p:txBody>
+          <a:bodyPr/>
+          <a:lstStyle/>
+          <a:p>
+            <a:r>
+              <a:rPr lang="en-US" dirty="0" smtClean="0"/>
+              <a:t>The proposed </a:t>
+            </a:r>
+            <a:r>
+              <a:rPr lang="en-US" dirty="0"/>
+              <a:t>system </a:t>
+            </a:r>
+            <a:r>
+              <a:rPr lang="en-US" dirty="0" smtClean="0"/>
+              <a:t>focuses </a:t>
+            </a:r>
+            <a:r>
+              <a:rPr lang="en-US" dirty="0"/>
+              <a:t>on the behavioral of user according to various tweets that whether the user is in drifting mode, positive, or negative. </a:t>
+            </a:r>
+            <a:endParaRPr lang="en-US" dirty="0" smtClean="0"/>
+          </a:p>
+          <a:p>
+            <a:r>
+              <a:rPr lang="en-US" dirty="0" smtClean="0"/>
+              <a:t>Also </a:t>
+            </a:r>
+            <a:r>
+              <a:rPr lang="en-US" dirty="0"/>
+              <a:t>the proposed system focuses on the general behavior of user country wise or city wise in context of particular topic. </a:t>
+            </a:r>
+            <a:endParaRPr lang="en-IN" dirty="0"/>
+          </a:p>
+        </p:txBody>
+      </p:sp>
+    </p:spTree>
+    <p:extLst>
+      <p:ext uri="{BB962C8B-B14F-4D97-AF65-F5344CB8AC3E}">
+        <p14:creationId xmlns:p14="http://schemas.microsoft.com/office/powerpoint/2010/main" val="2400153948"/>
+      </p:ext>
+    </p:extLst>
+  </p:cSld>
+  <p:clrMapOvr>
+    <a:masterClrMapping/>
+  </p:clrMapOvr>
+</p:sld>
+</file>
+
+<file path=ppt/slides/slide11.xml><?xml version="1.0" encoding="utf-8"?>
+<p:sld xmlns:a="http://schemas.openxmlformats.org/drawingml/2006/main" xmlns:r="http://schemas.openxmlformats.org/officeDocument/2006/relationships" xmlns:p="http://schemas.openxmlformats.org/presentationml/2006/main">
+  <p:cSld>
+    <p:spTree>
+      <p:nvGrpSpPr>
+        <p:cNvPr id="1" name=""/>
+        <p:cNvGrpSpPr/>
+        <p:nvPr/>
+      </p:nvGrpSpPr>
+      <p:grpSpPr>
+        <a:xfrm>
+          <a:off x="0" y="0"/>
+          <a:ext cx="0" cy="0"/>
+          <a:chOff x="0" y="0"/>
+          <a:chExt cx="0" cy="0"/>
+        </a:xfrm>
+      </p:grpSpPr>
+      <p:sp>
+        <p:nvSpPr>
+          <p:cNvPr id="2" name="Title 1"/>
+          <p:cNvSpPr>
+            <a:spLocks noGrp="1"/>
+          </p:cNvSpPr>
+          <p:nvPr>
+            <p:ph type="title"/>
+          </p:nvPr>
+        </p:nvSpPr>
+        <p:spPr/>
+        <p:txBody>
+          <a:bodyPr/>
+          <a:lstStyle/>
+          <a:p>
+            <a:endParaRPr lang="en-IN"/>
+          </a:p>
+        </p:txBody>
+      </p:sp>
+      <p:sp>
+        <p:nvSpPr>
+          <p:cNvPr id="3" name="Content Placeholder 2"/>
+          <p:cNvSpPr>
+            <a:spLocks noGrp="1"/>
+          </p:cNvSpPr>
+          <p:nvPr>
+            <p:ph idx="1"/>
+          </p:nvPr>
+        </p:nvSpPr>
+        <p:spPr/>
+        <p:txBody>
+          <a:bodyPr/>
+          <a:lstStyle/>
+          <a:p>
+            <a:endParaRPr lang="en-IN"/>
+          </a:p>
+        </p:txBody>
+      </p:sp>
+    </p:spTree>
+    <p:extLst>
+      <p:ext uri="{BB962C8B-B14F-4D97-AF65-F5344CB8AC3E}">
+        <p14:creationId xmlns:p14="http://schemas.microsoft.com/office/powerpoint/2010/main" val="2106146974"/>
+      </p:ext>
+    </p:extLst>
+  </p:cSld>
+  <p:clrMapOvr>
+    <a:masterClrMapping/>
+  </p:clrMapOvr>
+</p:sld>
+</file>
+
 <file path=ppt/slides/slide2.xml><?xml version="1.0" encoding="utf-8"?>
 <p:sld xmlns:a="http://schemas.openxmlformats.org/drawingml/2006/main" xmlns:r="http://schemas.openxmlformats.org/officeDocument/2006/relationships" xmlns:p="http://schemas.openxmlformats.org/presentationml/2006/main">
   <p:cSld>
@@ -3425,6 +3601,137 @@
           <a:chExt cx="0" cy="0"/>
         </a:xfrm>
       </p:grpSpPr>
+      <p:sp>
+        <p:nvSpPr>
+          <p:cNvPr id="2" name="Title 1"/>
+          <p:cNvSpPr>
+            <a:spLocks noGrp="1"/>
+          </p:cNvSpPr>
+          <p:nvPr>
+            <p:ph type="title"/>
+          </p:nvPr>
+        </p:nvSpPr>
+        <p:spPr/>
+        <p:txBody>
+          <a:bodyPr/>
+          <a:lstStyle/>
+          <a:p>
+            <a:r>
+              <a:rPr lang="en-IN" dirty="0" err="1" smtClean="0"/>
+              <a:t>Hadoop</a:t>
+            </a:r>
+            <a:endParaRPr lang="en-IN" dirty="0"/>
+          </a:p>
+        </p:txBody>
+      </p:sp>
+      <p:sp>
+        <p:nvSpPr>
+          <p:cNvPr id="3" name="Content Placeholder 2"/>
+          <p:cNvSpPr>
+            <a:spLocks noGrp="1"/>
+          </p:cNvSpPr>
+          <p:nvPr>
+            <p:ph idx="1"/>
+          </p:nvPr>
+        </p:nvSpPr>
+        <p:spPr/>
+        <p:txBody>
+          <a:bodyPr/>
+          <a:lstStyle/>
+          <a:p>
+            <a:r>
+              <a:rPr lang="en-US" dirty="0" err="1"/>
+              <a:t>Hadoop</a:t>
+            </a:r>
+            <a:r>
+              <a:rPr lang="en-US" dirty="0"/>
+              <a:t> is a flexible and open source implementation for analyzing large datasets using </a:t>
+            </a:r>
+            <a:r>
+              <a:rPr lang="en-US" dirty="0" err="1"/>
+              <a:t>MapReduce</a:t>
+            </a:r>
+            <a:r>
+              <a:rPr lang="en-US" dirty="0"/>
+              <a:t>. </a:t>
+            </a:r>
+            <a:endParaRPr lang="en-US" dirty="0" smtClean="0"/>
+          </a:p>
+          <a:p>
+            <a:r>
+              <a:rPr lang="en-US" dirty="0" smtClean="0"/>
+              <a:t>There </a:t>
+            </a:r>
+            <a:r>
+              <a:rPr lang="en-US" dirty="0"/>
+              <a:t>are various emerging technologies such as Apache Pig, Hive, </a:t>
+            </a:r>
+            <a:r>
+              <a:rPr lang="en-US" dirty="0" err="1"/>
+              <a:t>Sqoop</a:t>
+            </a:r>
+            <a:r>
+              <a:rPr lang="en-US" dirty="0"/>
+              <a:t>, </a:t>
+            </a:r>
+            <a:r>
+              <a:rPr lang="en-US" dirty="0" err="1"/>
+              <a:t>HBase</a:t>
+            </a:r>
+            <a:r>
+              <a:rPr lang="en-US" dirty="0"/>
+              <a:t>, Zookeeper, and Flume that can be used to improve the performance of basic </a:t>
+            </a:r>
+            <a:r>
+              <a:rPr lang="en-US" dirty="0" err="1"/>
+              <a:t>Hadoop</a:t>
+            </a:r>
+            <a:r>
+              <a:rPr lang="en-US" dirty="0"/>
+              <a:t> </a:t>
+            </a:r>
+            <a:r>
+              <a:rPr lang="en-US" dirty="0" err="1"/>
+              <a:t>MapReduce</a:t>
+            </a:r>
+            <a:r>
+              <a:rPr lang="en-US" dirty="0"/>
+              <a:t> framework.</a:t>
+            </a:r>
+            <a:endParaRPr lang="en-IN" dirty="0"/>
+          </a:p>
+        </p:txBody>
+      </p:sp>
+    </p:spTree>
+    <p:extLst>
+      <p:ext uri="{BB962C8B-B14F-4D97-AF65-F5344CB8AC3E}">
+        <p14:creationId xmlns:p14="http://schemas.microsoft.com/office/powerpoint/2010/main" val="2830421286"/>
+      </p:ext>
+    </p:extLst>
+  </p:cSld>
+  <p:clrMapOvr>
+    <a:masterClrMapping/>
+  </p:clrMapOvr>
+</p:sld>
+</file>
+
+<file path=ppt/slides/slide5.xml><?xml version="1.0" encoding="utf-8"?>
+<p:sld xmlns:a="http://schemas.openxmlformats.org/drawingml/2006/main" xmlns:r="http://schemas.openxmlformats.org/officeDocument/2006/relationships" xmlns:p="http://schemas.openxmlformats.org/presentationml/2006/main">
+  <p:cSld>
+    <p:spTree>
+      <p:nvGrpSpPr>
+        <p:cNvPr id="1" name=""/>
+        <p:cNvGrpSpPr/>
+        <p:nvPr/>
+      </p:nvGrpSpPr>
+      <p:grpSpPr>
+        <a:xfrm>
+          <a:off x="0" y="0"/>
+          <a:ext cx="0" cy="0"/>
+          <a:chOff x="0" y="0"/>
+          <a:chExt cx="0" cy="0"/>
+        </a:xfrm>
+      </p:grpSpPr>
       <p:pic>
         <p:nvPicPr>
           <p:cNvPr id="1026" name="Picture 2" descr="5 Things You Need to Know about Sentiment Analysis and Classification"/>
@@ -3486,110 +3793,6 @@
 </p:sld>
 </file>
 
-<file path=ppt/slides/slide5.xml><?xml version="1.0" encoding="utf-8"?>
-<p:sld xmlns:a="http://schemas.openxmlformats.org/drawingml/2006/main" xmlns:r="http://schemas.openxmlformats.org/officeDocument/2006/relationships" xmlns:p="http://schemas.openxmlformats.org/presentationml/2006/main">
-  <p:cSld>
-    <p:spTree>
-      <p:nvGrpSpPr>
-        <p:cNvPr id="1" name=""/>
-        <p:cNvGrpSpPr/>
-        <p:nvPr/>
-      </p:nvGrpSpPr>
-      <p:grpSpPr>
-        <a:xfrm>
-          <a:off x="0" y="0"/>
-          <a:ext cx="0" cy="0"/>
-          <a:chOff x="0" y="0"/>
-          <a:chExt cx="0" cy="0"/>
-        </a:xfrm>
-      </p:grpSpPr>
-      <p:sp>
-        <p:nvSpPr>
-          <p:cNvPr id="2" name="Title 1"/>
-          <p:cNvSpPr>
-            <a:spLocks noGrp="1"/>
-          </p:cNvSpPr>
-          <p:nvPr>
-            <p:ph type="title"/>
-          </p:nvPr>
-        </p:nvSpPr>
-        <p:spPr/>
-        <p:txBody>
-          <a:bodyPr/>
-          <a:lstStyle/>
-          <a:p>
-            <a:r>
-              <a:rPr lang="en-IN" dirty="0" smtClean="0"/>
-              <a:t>Project</a:t>
-            </a:r>
-            <a:endParaRPr lang="en-IN" dirty="0"/>
-          </a:p>
-        </p:txBody>
-      </p:sp>
-      <p:sp>
-        <p:nvSpPr>
-          <p:cNvPr id="3" name="Content Placeholder 2"/>
-          <p:cNvSpPr>
-            <a:spLocks noGrp="1"/>
-          </p:cNvSpPr>
-          <p:nvPr>
-            <p:ph idx="1"/>
-          </p:nvPr>
-        </p:nvSpPr>
-        <p:spPr/>
-        <p:txBody>
-          <a:bodyPr/>
-          <a:lstStyle/>
-          <a:p>
-            <a:r>
-              <a:rPr lang="en-US" dirty="0" smtClean="0"/>
-              <a:t>Tweet analysis </a:t>
-            </a:r>
-            <a:r>
-              <a:rPr lang="en-US" dirty="0"/>
-              <a:t>for user </a:t>
-            </a:r>
-            <a:r>
-              <a:rPr lang="en-US" dirty="0" smtClean="0"/>
-              <a:t>behavior.</a:t>
-            </a:r>
-          </a:p>
-          <a:p>
-            <a:r>
-              <a:rPr lang="en-US" dirty="0"/>
-              <a:t>Tweets are available in JSON format which is to be converted into a structured data</a:t>
-            </a:r>
-            <a:r>
-              <a:rPr lang="en-US" dirty="0" smtClean="0"/>
-              <a:t>.</a:t>
-            </a:r>
-          </a:p>
-          <a:p>
-            <a:r>
-              <a:rPr lang="en-US" dirty="0" smtClean="0"/>
-              <a:t>Output  </a:t>
-            </a:r>
-            <a:r>
-              <a:rPr lang="en-US" dirty="0"/>
-              <a:t>how users behave for particular topic in certain country and city. </a:t>
-            </a:r>
-            <a:endParaRPr lang="en-IN" dirty="0"/>
-          </a:p>
-        </p:txBody>
-      </p:sp>
-    </p:spTree>
-    <p:extLst>
-      <p:ext uri="{BB962C8B-B14F-4D97-AF65-F5344CB8AC3E}">
-        <p14:creationId xmlns:p14="http://schemas.microsoft.com/office/powerpoint/2010/main" val="756008031"/>
-      </p:ext>
-    </p:extLst>
-  </p:cSld>
-  <p:clrMapOvr>
-    <a:masterClrMapping/>
-  </p:clrMapOvr>
-</p:sld>
-</file>
-
 <file path=ppt/slides/slide6.xml><?xml version="1.0" encoding="utf-8"?>
 <p:sld xmlns:a="http://schemas.openxmlformats.org/drawingml/2006/main" xmlns:r="http://schemas.openxmlformats.org/officeDocument/2006/relationships" xmlns:p="http://schemas.openxmlformats.org/presentationml/2006/main">
   <p:cSld>
@@ -3623,6 +3826,110 @@
           <a:lstStyle/>
           <a:p>
             <a:r>
+              <a:rPr lang="en-IN" dirty="0" smtClean="0"/>
+              <a:t>Project</a:t>
+            </a:r>
+            <a:endParaRPr lang="en-IN" dirty="0"/>
+          </a:p>
+        </p:txBody>
+      </p:sp>
+      <p:sp>
+        <p:nvSpPr>
+          <p:cNvPr id="3" name="Content Placeholder 2"/>
+          <p:cNvSpPr>
+            <a:spLocks noGrp="1"/>
+          </p:cNvSpPr>
+          <p:nvPr>
+            <p:ph idx="1"/>
+          </p:nvPr>
+        </p:nvSpPr>
+        <p:spPr/>
+        <p:txBody>
+          <a:bodyPr/>
+          <a:lstStyle/>
+          <a:p>
+            <a:r>
+              <a:rPr lang="en-US" dirty="0" smtClean="0"/>
+              <a:t>Tweet analysis </a:t>
+            </a:r>
+            <a:r>
+              <a:rPr lang="en-US" dirty="0"/>
+              <a:t>for user </a:t>
+            </a:r>
+            <a:r>
+              <a:rPr lang="en-US" dirty="0" smtClean="0"/>
+              <a:t>behavior.</a:t>
+            </a:r>
+          </a:p>
+          <a:p>
+            <a:r>
+              <a:rPr lang="en-US" dirty="0"/>
+              <a:t>Tweets are available in JSON format which is to be converted into a structured data</a:t>
+            </a:r>
+            <a:r>
+              <a:rPr lang="en-US" dirty="0" smtClean="0"/>
+              <a:t>.</a:t>
+            </a:r>
+          </a:p>
+          <a:p>
+            <a:r>
+              <a:rPr lang="en-US" dirty="0" smtClean="0"/>
+              <a:t>Output  </a:t>
+            </a:r>
+            <a:r>
+              <a:rPr lang="en-US" dirty="0"/>
+              <a:t>how users behave for particular topic in certain country and city. </a:t>
+            </a:r>
+            <a:endParaRPr lang="en-IN" dirty="0"/>
+          </a:p>
+        </p:txBody>
+      </p:sp>
+    </p:spTree>
+    <p:extLst>
+      <p:ext uri="{BB962C8B-B14F-4D97-AF65-F5344CB8AC3E}">
+        <p14:creationId xmlns:p14="http://schemas.microsoft.com/office/powerpoint/2010/main" val="756008031"/>
+      </p:ext>
+    </p:extLst>
+  </p:cSld>
+  <p:clrMapOvr>
+    <a:masterClrMapping/>
+  </p:clrMapOvr>
+</p:sld>
+</file>
+
+<file path=ppt/slides/slide7.xml><?xml version="1.0" encoding="utf-8"?>
+<p:sld xmlns:a="http://schemas.openxmlformats.org/drawingml/2006/main" xmlns:r="http://schemas.openxmlformats.org/officeDocument/2006/relationships" xmlns:p="http://schemas.openxmlformats.org/presentationml/2006/main">
+  <p:cSld>
+    <p:spTree>
+      <p:nvGrpSpPr>
+        <p:cNvPr id="1" name=""/>
+        <p:cNvGrpSpPr/>
+        <p:nvPr/>
+      </p:nvGrpSpPr>
+      <p:grpSpPr>
+        <a:xfrm>
+          <a:off x="0" y="0"/>
+          <a:ext cx="0" cy="0"/>
+          <a:chOff x="0" y="0"/>
+          <a:chExt cx="0" cy="0"/>
+        </a:xfrm>
+      </p:grpSpPr>
+      <p:sp>
+        <p:nvSpPr>
+          <p:cNvPr id="2" name="Title 1"/>
+          <p:cNvSpPr>
+            <a:spLocks noGrp="1"/>
+          </p:cNvSpPr>
+          <p:nvPr>
+            <p:ph type="title"/>
+          </p:nvPr>
+        </p:nvSpPr>
+        <p:spPr/>
+        <p:txBody>
+          <a:bodyPr/>
+          <a:lstStyle/>
+          <a:p>
+            <a:r>
               <a:rPr lang="en-US" dirty="0"/>
               <a:t>Challenges with social media data </a:t>
             </a:r>
@@ -3671,7 +3978,6 @@
               <a:rPr lang="en-IN"/>
               <a:t>Language</a:t>
             </a:r>
-            <a:endParaRPr lang="en-IN"/>
           </a:p>
         </p:txBody>
       </p:sp>
@@ -3679,6 +3985,249 @@
     <p:extLst>
       <p:ext uri="{BB962C8B-B14F-4D97-AF65-F5344CB8AC3E}">
         <p14:creationId xmlns:p14="http://schemas.microsoft.com/office/powerpoint/2010/main" val="3465331580"/>
+      </p:ext>
+    </p:extLst>
+  </p:cSld>
+  <p:clrMapOvr>
+    <a:masterClrMapping/>
+  </p:clrMapOvr>
+</p:sld>
+</file>
+
+<file path=ppt/slides/slide8.xml><?xml version="1.0" encoding="utf-8"?>
+<p:sld xmlns:a="http://schemas.openxmlformats.org/drawingml/2006/main" xmlns:r="http://schemas.openxmlformats.org/officeDocument/2006/relationships" xmlns:p="http://schemas.openxmlformats.org/presentationml/2006/main">
+  <p:cSld>
+    <p:spTree>
+      <p:nvGrpSpPr>
+        <p:cNvPr id="1" name=""/>
+        <p:cNvGrpSpPr/>
+        <p:nvPr/>
+      </p:nvGrpSpPr>
+      <p:grpSpPr>
+        <a:xfrm>
+          <a:off x="0" y="0"/>
+          <a:ext cx="0" cy="0"/>
+          <a:chOff x="0" y="0"/>
+          <a:chExt cx="0" cy="0"/>
+        </a:xfrm>
+      </p:grpSpPr>
+      <p:sp>
+        <p:nvSpPr>
+          <p:cNvPr id="2" name="Title 1"/>
+          <p:cNvSpPr>
+            <a:spLocks noGrp="1"/>
+          </p:cNvSpPr>
+          <p:nvPr>
+            <p:ph type="title"/>
+          </p:nvPr>
+        </p:nvSpPr>
+        <p:spPr/>
+        <p:txBody>
+          <a:bodyPr/>
+          <a:lstStyle/>
+          <a:p>
+            <a:r>
+              <a:rPr lang="en-IN" dirty="0"/>
+              <a:t>Existing </a:t>
+            </a:r>
+            <a:r>
+              <a:rPr lang="en-IN" dirty="0" smtClean="0"/>
+              <a:t>Work	</a:t>
+            </a:r>
+            <a:endParaRPr lang="en-IN" dirty="0"/>
+          </a:p>
+        </p:txBody>
+      </p:sp>
+      <p:pic>
+        <p:nvPicPr>
+          <p:cNvPr id="2050" name="Picture 2"/>
+          <p:cNvPicPr>
+            <a:picLocks noChangeAspect="1" noChangeArrowheads="1"/>
+          </p:cNvPicPr>
+          <p:nvPr/>
+        </p:nvPicPr>
+        <p:blipFill>
+          <a:blip r:embed="rId2">
+            <a:extLst>
+              <a:ext uri="{28A0092B-C50C-407E-A947-70E740481C1C}">
+                <a14:useLocalDpi xmlns:a14="http://schemas.microsoft.com/office/drawing/2010/main" val="0"/>
+              </a:ext>
+            </a:extLst>
+          </a:blip>
+          <a:srcRect/>
+          <a:stretch>
+            <a:fillRect/>
+          </a:stretch>
+        </p:blipFill>
+        <p:spPr bwMode="auto">
+          <a:xfrm>
+            <a:off x="914400" y="1676400"/>
+            <a:ext cx="7315200" cy="4155233"/>
+          </a:xfrm>
+          <a:prstGeom prst="rect">
+            <a:avLst/>
+          </a:prstGeom>
+          <a:noFill/>
+          <a:ln>
+            <a:noFill/>
+          </a:ln>
+          <a:effectLst/>
+          <a:extLst>
+            <a:ext uri="{909E8E84-426E-40DD-AFC4-6F175D3DCCD1}">
+              <a14:hiddenFill xmlns:a14="http://schemas.microsoft.com/office/drawing/2010/main">
+                <a:solidFill>
+                  <a:schemeClr val="accent1"/>
+                </a:solidFill>
+              </a14:hiddenFill>
+            </a:ext>
+            <a:ext uri="{91240B29-F687-4F45-9708-019B960494DF}">
+              <a14:hiddenLine xmlns:a14="http://schemas.microsoft.com/office/drawing/2010/main" w="9525">
+                <a:solidFill>
+                  <a:schemeClr val="tx1"/>
+                </a:solidFill>
+                <a:miter lim="800000"/>
+                <a:headEnd/>
+                <a:tailEnd/>
+              </a14:hiddenLine>
+            </a:ext>
+            <a:ext uri="{AF507438-7753-43E0-B8FC-AC1667EBCBE1}">
+              <a14:hiddenEffects xmlns:a14="http://schemas.microsoft.com/office/drawing/2010/main">
+                <a:effectLst>
+                  <a:outerShdw dist="35921" dir="2700000" algn="ctr" rotWithShape="0">
+                    <a:schemeClr val="bg2"/>
+                  </a:outerShdw>
+                </a:effectLst>
+              </a14:hiddenEffects>
+            </a:ext>
+          </a:extLst>
+        </p:spPr>
+      </p:pic>
+    </p:spTree>
+    <p:extLst>
+      <p:ext uri="{BB962C8B-B14F-4D97-AF65-F5344CB8AC3E}">
+        <p14:creationId xmlns:p14="http://schemas.microsoft.com/office/powerpoint/2010/main" val="1811158698"/>
+      </p:ext>
+    </p:extLst>
+  </p:cSld>
+  <p:clrMapOvr>
+    <a:masterClrMapping/>
+  </p:clrMapOvr>
+</p:sld>
+</file>
+
+<file path=ppt/slides/slide9.xml><?xml version="1.0" encoding="utf-8"?>
+<p:sld xmlns:a="http://schemas.openxmlformats.org/drawingml/2006/main" xmlns:r="http://schemas.openxmlformats.org/officeDocument/2006/relationships" xmlns:p="http://schemas.openxmlformats.org/presentationml/2006/main">
+  <p:cSld>
+    <p:spTree>
+      <p:nvGrpSpPr>
+        <p:cNvPr id="1" name=""/>
+        <p:cNvGrpSpPr/>
+        <p:nvPr/>
+      </p:nvGrpSpPr>
+      <p:grpSpPr>
+        <a:xfrm>
+          <a:off x="0" y="0"/>
+          <a:ext cx="0" cy="0"/>
+          <a:chOff x="0" y="0"/>
+          <a:chExt cx="0" cy="0"/>
+        </a:xfrm>
+      </p:grpSpPr>
+      <p:sp>
+        <p:nvSpPr>
+          <p:cNvPr id="2" name="Title 1"/>
+          <p:cNvSpPr>
+            <a:spLocks noGrp="1"/>
+          </p:cNvSpPr>
+          <p:nvPr>
+            <p:ph type="title"/>
+          </p:nvPr>
+        </p:nvSpPr>
+        <p:spPr/>
+        <p:txBody>
+          <a:bodyPr/>
+          <a:lstStyle/>
+          <a:p>
+            <a:r>
+              <a:rPr lang="en-IN" dirty="0" smtClean="0"/>
+              <a:t>Explanation</a:t>
+            </a:r>
+            <a:endParaRPr lang="en-IN" dirty="0"/>
+          </a:p>
+        </p:txBody>
+      </p:sp>
+      <p:sp>
+        <p:nvSpPr>
+          <p:cNvPr id="3" name="Content Placeholder 2"/>
+          <p:cNvSpPr>
+            <a:spLocks noGrp="1"/>
+          </p:cNvSpPr>
+          <p:nvPr>
+            <p:ph idx="1"/>
+          </p:nvPr>
+        </p:nvSpPr>
+        <p:spPr/>
+        <p:txBody>
+          <a:bodyPr>
+            <a:normAutofit fontScale="77500" lnSpcReduction="20000"/>
+          </a:bodyPr>
+          <a:lstStyle/>
+          <a:p>
+            <a:r>
+              <a:rPr lang="en-US" dirty="0"/>
+              <a:t>Firstly, training data collected from various sources is subjected to preprocessing to eliminate features which do not contribute to polarity detection. </a:t>
+            </a:r>
+            <a:endParaRPr lang="en-US" dirty="0" smtClean="0"/>
+          </a:p>
+          <a:p>
+            <a:r>
+              <a:rPr lang="en-US" dirty="0" smtClean="0"/>
+              <a:t>This </a:t>
+            </a:r>
+            <a:r>
+              <a:rPr lang="en-US" dirty="0"/>
+              <a:t>training data is fed into sentiment analysis engine for classifying test data. </a:t>
+            </a:r>
+            <a:endParaRPr lang="en-US" dirty="0" smtClean="0"/>
+          </a:p>
+          <a:p>
+            <a:r>
+              <a:rPr lang="en-US" dirty="0" smtClean="0"/>
+              <a:t>Secondly</a:t>
+            </a:r>
+            <a:r>
+              <a:rPr lang="en-US" dirty="0"/>
+              <a:t>, the input query term is used to fetch data from social media for which polarity is to be detected. </a:t>
+            </a:r>
+            <a:endParaRPr lang="en-US" dirty="0" smtClean="0"/>
+          </a:p>
+          <a:p>
+            <a:r>
+              <a:rPr lang="en-US" dirty="0" smtClean="0"/>
+              <a:t>The </a:t>
+            </a:r>
+            <a:r>
+              <a:rPr lang="en-US" dirty="0"/>
+              <a:t>sentiment analysis engine contains Naive Bayes classification algorithm which consults training data to calculate probabilities and predict the sentiment for given query term. </a:t>
+            </a:r>
+            <a:endParaRPr lang="en-US" dirty="0" smtClean="0"/>
+          </a:p>
+          <a:p>
+            <a:r>
+              <a:rPr lang="en-US" dirty="0" smtClean="0"/>
+              <a:t>Demerits </a:t>
+            </a:r>
+            <a:r>
+              <a:rPr lang="en-US" dirty="0"/>
+              <a:t>with existing system are that it is only used for sentiment analysis of uses i.e. positive, negative or neutral.</a:t>
+            </a:r>
+            <a:endParaRPr lang="en-IN" dirty="0"/>
+          </a:p>
+        </p:txBody>
+      </p:sp>
+    </p:spTree>
+    <p:extLst>
+      <p:ext uri="{BB962C8B-B14F-4D97-AF65-F5344CB8AC3E}">
+        <p14:creationId xmlns:p14="http://schemas.microsoft.com/office/powerpoint/2010/main" val="2118377642"/>
       </p:ext>
     </p:extLst>
   </p:cSld>

--- a/Paper 1/Paper Presentation.pptx
+++ b/Paper 1/Paper Presentation.pptx
@@ -15,7 +15,12 @@
     <p:sldId id="262" r:id="rId9"/>
     <p:sldId id="263" r:id="rId10"/>
     <p:sldId id="264" r:id="rId11"/>
-    <p:sldId id="265" r:id="rId12"/>
+    <p:sldId id="267" r:id="rId12"/>
+    <p:sldId id="265" r:id="rId13"/>
+    <p:sldId id="268" r:id="rId14"/>
+    <p:sldId id="269" r:id="rId15"/>
+    <p:sldId id="270" r:id="rId16"/>
+    <p:sldId id="271" r:id="rId17"/>
   </p:sldIdLst>
   <p:sldSz cx="9144000" cy="6858000" type="screen4x3"/>
   <p:notesSz cx="6858000" cy="9144000"/>
@@ -3272,6 +3277,100 @@
           <a:chExt cx="0" cy="0"/>
         </a:xfrm>
       </p:grpSpPr>
+      <p:pic>
+        <p:nvPicPr>
+          <p:cNvPr id="1026" name="Picture 2"/>
+          <p:cNvPicPr>
+            <a:picLocks noChangeAspect="1" noChangeArrowheads="1"/>
+          </p:cNvPicPr>
+          <p:nvPr/>
+        </p:nvPicPr>
+        <p:blipFill>
+          <a:blip r:embed="rId2">
+            <a:extLst>
+              <a:ext uri="{28A0092B-C50C-407E-A947-70E740481C1C}">
+                <a14:useLocalDpi xmlns:a14="http://schemas.microsoft.com/office/drawing/2010/main" val="0"/>
+              </a:ext>
+            </a:extLst>
+          </a:blip>
+          <a:srcRect/>
+          <a:stretch>
+            <a:fillRect/>
+          </a:stretch>
+        </p:blipFill>
+        <p:spPr bwMode="auto">
+          <a:xfrm>
+            <a:off x="1219200" y="474372"/>
+            <a:ext cx="6858000" cy="5894024"/>
+          </a:xfrm>
+          <a:prstGeom prst="rect">
+            <a:avLst/>
+          </a:prstGeom>
+          <a:noFill/>
+          <a:ln>
+            <a:noFill/>
+          </a:ln>
+          <a:effectLst/>
+          <a:extLst>
+            <a:ext uri="{909E8E84-426E-40DD-AFC4-6F175D3DCCD1}">
+              <a14:hiddenFill xmlns:a14="http://schemas.microsoft.com/office/drawing/2010/main">
+                <a:solidFill>
+                  <a:schemeClr val="accent1"/>
+                </a:solidFill>
+              </a14:hiddenFill>
+            </a:ext>
+            <a:ext uri="{91240B29-F687-4F45-9708-019B960494DF}">
+              <a14:hiddenLine xmlns:a14="http://schemas.microsoft.com/office/drawing/2010/main" w="9525">
+                <a:solidFill>
+                  <a:schemeClr val="tx1"/>
+                </a:solidFill>
+                <a:miter lim="800000"/>
+                <a:headEnd/>
+                <a:tailEnd/>
+              </a14:hiddenLine>
+            </a:ext>
+            <a:ext uri="{AF507438-7753-43E0-B8FC-AC1667EBCBE1}">
+              <a14:hiddenEffects xmlns:a14="http://schemas.microsoft.com/office/drawing/2010/main">
+                <a:effectLst>
+                  <a:outerShdw dist="35921" dir="2700000" algn="ctr" rotWithShape="0">
+                    <a:schemeClr val="bg2"/>
+                  </a:outerShdw>
+                </a:effectLst>
+              </a14:hiddenEffects>
+            </a:ext>
+          </a:extLst>
+        </p:spPr>
+      </p:pic>
+    </p:spTree>
+    <p:extLst>
+      <p:ext uri="{BB962C8B-B14F-4D97-AF65-F5344CB8AC3E}">
+        <p14:creationId xmlns:p14="http://schemas.microsoft.com/office/powerpoint/2010/main" val="598309088"/>
+      </p:ext>
+    </p:extLst>
+  </p:cSld>
+  <p:clrMapOvr>
+    <a:masterClrMapping/>
+  </p:clrMapOvr>
+</p:sld>
+</file>
+
+<file path=ppt/slides/slide12.xml><?xml version="1.0" encoding="utf-8"?>
+<p:sld xmlns:a="http://schemas.openxmlformats.org/drawingml/2006/main" xmlns:r="http://schemas.openxmlformats.org/officeDocument/2006/relationships" xmlns:p="http://schemas.openxmlformats.org/presentationml/2006/main">
+  <p:cSld>
+    <p:spTree>
+      <p:nvGrpSpPr>
+        <p:cNvPr id="1" name=""/>
+        <p:cNvGrpSpPr/>
+        <p:nvPr/>
+      </p:nvGrpSpPr>
+      <p:grpSpPr>
+        <a:xfrm>
+          <a:off x="0" y="0"/>
+          <a:ext cx="0" cy="0"/>
+          <a:chOff x="0" y="0"/>
+          <a:chExt cx="0" cy="0"/>
+        </a:xfrm>
+      </p:grpSpPr>
       <p:sp>
         <p:nvSpPr>
           <p:cNvPr id="2" name="Title 1"/>
@@ -3287,7 +3386,11 @@
           <a:bodyPr/>
           <a:lstStyle/>
           <a:p>
-            <a:endParaRPr lang="en-IN"/>
+            <a:r>
+              <a:rPr lang="en-IN" dirty="0" smtClean="0"/>
+              <a:t>Methodology</a:t>
+            </a:r>
+            <a:endParaRPr lang="en-IN" dirty="0"/>
           </a:p>
         </p:txBody>
       </p:sp>
@@ -3303,10 +3406,107 @@
         </p:nvSpPr>
         <p:spPr/>
         <p:txBody>
-          <a:bodyPr/>
-          <a:lstStyle/>
-          <a:p>
-            <a:endParaRPr lang="en-IN"/>
+          <a:bodyPr>
+            <a:normAutofit fontScale="77500" lnSpcReduction="20000"/>
+          </a:bodyPr>
+          <a:lstStyle/>
+          <a:p>
+            <a:r>
+              <a:rPr lang="en-US" dirty="0" smtClean="0"/>
+              <a:t>Connected to </a:t>
+            </a:r>
+            <a:r>
+              <a:rPr lang="en-US" dirty="0"/>
+              <a:t>live social media to extract and store data using flume. </a:t>
+            </a:r>
+            <a:endParaRPr lang="en-US" dirty="0" smtClean="0"/>
+          </a:p>
+          <a:p>
+            <a:r>
+              <a:rPr lang="en-US" dirty="0" smtClean="0"/>
+              <a:t>Secondly</a:t>
+            </a:r>
+            <a:r>
+              <a:rPr lang="en-US" dirty="0"/>
+              <a:t>, Data is stored in external repository. Then, convert the JSON tweet data to .CSV file and transfer it to HDFS. </a:t>
+            </a:r>
+            <a:endParaRPr lang="en-US" dirty="0" smtClean="0"/>
+          </a:p>
+          <a:p>
+            <a:r>
+              <a:rPr lang="en-US" dirty="0" smtClean="0"/>
+              <a:t>After </a:t>
+            </a:r>
+            <a:r>
+              <a:rPr lang="en-US" dirty="0"/>
+              <a:t>that, create table in </a:t>
+            </a:r>
+            <a:r>
+              <a:rPr lang="en-US" dirty="0" err="1"/>
+              <a:t>Hadoop</a:t>
+            </a:r>
+            <a:r>
+              <a:rPr lang="en-US" dirty="0"/>
+              <a:t> using hive to give data a tabular form. </a:t>
+            </a:r>
+            <a:endParaRPr lang="en-US" dirty="0" smtClean="0"/>
+          </a:p>
+          <a:p>
+            <a:r>
+              <a:rPr lang="en-US" dirty="0" smtClean="0"/>
+              <a:t>Then</a:t>
+            </a:r>
+            <a:r>
+              <a:rPr lang="en-US" dirty="0"/>
+              <a:t>, do user </a:t>
+            </a:r>
+            <a:r>
+              <a:rPr lang="en-US" dirty="0" err="1"/>
+              <a:t>behaviour</a:t>
+            </a:r>
+            <a:r>
+              <a:rPr lang="en-US" dirty="0"/>
+              <a:t> analysis on tweets by extracting past few tweets of particular user corresponding to </a:t>
+            </a:r>
+            <a:r>
+              <a:rPr lang="en-US" dirty="0" err="1"/>
+              <a:t>tweet_id</a:t>
+            </a:r>
+            <a:r>
+              <a:rPr lang="en-US" dirty="0"/>
+              <a:t>. </a:t>
+            </a:r>
+            <a:endParaRPr lang="en-US" dirty="0" smtClean="0"/>
+          </a:p>
+          <a:p>
+            <a:r>
+              <a:rPr lang="en-US" dirty="0" smtClean="0"/>
+              <a:t>Create </a:t>
+            </a:r>
+            <a:r>
+              <a:rPr lang="en-US" dirty="0"/>
+              <a:t>codes for providing visualization of user </a:t>
+            </a:r>
+            <a:r>
+              <a:rPr lang="en-US" dirty="0" err="1"/>
+              <a:t>behaviour</a:t>
+            </a:r>
+            <a:r>
+              <a:rPr lang="en-US" dirty="0"/>
+              <a:t>. </a:t>
+            </a:r>
+            <a:endParaRPr lang="en-US" dirty="0" smtClean="0"/>
+          </a:p>
+          <a:p>
+            <a:r>
+              <a:rPr lang="en-US" dirty="0" smtClean="0"/>
+              <a:t>Lastly</a:t>
+            </a:r>
+            <a:r>
+              <a:rPr lang="en-US" dirty="0"/>
+              <a:t>, Using naïve Bayesian technique and map reduce to apply the analytics on tweet. </a:t>
+            </a:r>
+            <a:endParaRPr lang="en-IN" dirty="0"/>
           </a:p>
         </p:txBody>
       </p:sp>
@@ -3314,6 +3514,492 @@
     <p:extLst>
       <p:ext uri="{BB962C8B-B14F-4D97-AF65-F5344CB8AC3E}">
         <p14:creationId xmlns:p14="http://schemas.microsoft.com/office/powerpoint/2010/main" val="2106146974"/>
+      </p:ext>
+    </p:extLst>
+  </p:cSld>
+  <p:clrMapOvr>
+    <a:masterClrMapping/>
+  </p:clrMapOvr>
+</p:sld>
+</file>
+
+<file path=ppt/slides/slide13.xml><?xml version="1.0" encoding="utf-8"?>
+<p:sld xmlns:a="http://schemas.openxmlformats.org/drawingml/2006/main" xmlns:r="http://schemas.openxmlformats.org/officeDocument/2006/relationships" xmlns:p="http://schemas.openxmlformats.org/presentationml/2006/main">
+  <p:cSld>
+    <p:spTree>
+      <p:nvGrpSpPr>
+        <p:cNvPr id="1" name=""/>
+        <p:cNvGrpSpPr/>
+        <p:nvPr/>
+      </p:nvGrpSpPr>
+      <p:grpSpPr>
+        <a:xfrm>
+          <a:off x="0" y="0"/>
+          <a:ext cx="0" cy="0"/>
+          <a:chOff x="0" y="0"/>
+          <a:chExt cx="0" cy="0"/>
+        </a:xfrm>
+      </p:grpSpPr>
+      <p:sp>
+        <p:nvSpPr>
+          <p:cNvPr id="2" name="Title 1"/>
+          <p:cNvSpPr>
+            <a:spLocks noGrp="1"/>
+          </p:cNvSpPr>
+          <p:nvPr>
+            <p:ph type="title"/>
+          </p:nvPr>
+        </p:nvSpPr>
+        <p:spPr/>
+        <p:txBody>
+          <a:bodyPr/>
+          <a:lstStyle/>
+          <a:p>
+            <a:r>
+              <a:rPr lang="en-IN" dirty="0" smtClean="0"/>
+              <a:t>Steps</a:t>
+            </a:r>
+            <a:endParaRPr lang="en-IN" dirty="0"/>
+          </a:p>
+        </p:txBody>
+      </p:sp>
+      <p:sp>
+        <p:nvSpPr>
+          <p:cNvPr id="3" name="Content Placeholder 2"/>
+          <p:cNvSpPr>
+            <a:spLocks noGrp="1"/>
+          </p:cNvSpPr>
+          <p:nvPr>
+            <p:ph idx="1"/>
+          </p:nvPr>
+        </p:nvSpPr>
+        <p:spPr>
+          <a:xfrm>
+            <a:off x="381000" y="1447800"/>
+            <a:ext cx="8305800" cy="4678363"/>
+          </a:xfrm>
+        </p:spPr>
+        <p:txBody>
+          <a:bodyPr>
+            <a:noAutofit/>
+          </a:bodyPr>
+          <a:lstStyle/>
+          <a:p>
+            <a:r>
+              <a:rPr lang="en-IN" sz="2300" dirty="0"/>
+              <a:t>Creating Twitter Application </a:t>
+            </a:r>
+            <a:endParaRPr lang="en-IN" sz="2300" dirty="0" smtClean="0"/>
+          </a:p>
+          <a:p>
+            <a:pPr lvl="1"/>
+            <a:r>
+              <a:rPr lang="en-US" sz="2300" dirty="0"/>
+              <a:t>API Key, API secret, Access token and Access Token Secret.</a:t>
+            </a:r>
+            <a:endParaRPr lang="en-IN" sz="2300" dirty="0"/>
+          </a:p>
+          <a:p>
+            <a:r>
+              <a:rPr lang="en-US" sz="2300" dirty="0"/>
+              <a:t>Extraction of data via </a:t>
+            </a:r>
+            <a:r>
+              <a:rPr lang="en-US" sz="2300" dirty="0" smtClean="0"/>
+              <a:t>Flume</a:t>
+            </a:r>
+          </a:p>
+          <a:p>
+            <a:r>
+              <a:rPr lang="en-US" sz="2300" dirty="0" smtClean="0"/>
+              <a:t>Convert data into </a:t>
+            </a:r>
+            <a:r>
+              <a:rPr lang="en-US" sz="2300" dirty="0"/>
+              <a:t>.</a:t>
+            </a:r>
+            <a:r>
+              <a:rPr lang="en-US" sz="2300" dirty="0" err="1"/>
+              <a:t>csv</a:t>
+            </a:r>
+            <a:r>
+              <a:rPr lang="en-US" sz="2300" dirty="0"/>
+              <a:t> format and </a:t>
+            </a:r>
+            <a:r>
+              <a:rPr lang="en-US" sz="2300" dirty="0" smtClean="0"/>
+              <a:t>upload to HDFS.</a:t>
+            </a:r>
+          </a:p>
+          <a:p>
+            <a:r>
+              <a:rPr lang="en-US" sz="2300" dirty="0"/>
+              <a:t>Run Hive script and create </a:t>
+            </a:r>
+            <a:r>
+              <a:rPr lang="en-US" sz="2300" dirty="0" smtClean="0"/>
+              <a:t>table</a:t>
+            </a:r>
+          </a:p>
+          <a:p>
+            <a:r>
+              <a:rPr lang="en-IN" sz="2300" dirty="0"/>
+              <a:t>Pre-processing of data </a:t>
+            </a:r>
+          </a:p>
+          <a:p>
+            <a:pPr lvl="1"/>
+            <a:r>
+              <a:rPr lang="en-US" sz="2300" dirty="0"/>
+              <a:t>USERNAME, Links,’#’, </a:t>
+            </a:r>
+            <a:r>
+              <a:rPr lang="en-US" sz="2300" dirty="0" err="1"/>
+              <a:t>stopwords</a:t>
+            </a:r>
+            <a:r>
+              <a:rPr lang="en-US" sz="2300" dirty="0"/>
+              <a:t>, punctuations  are removed.</a:t>
+            </a:r>
+          </a:p>
+          <a:p>
+            <a:pPr lvl="1"/>
+            <a:r>
+              <a:rPr lang="en-US" sz="2300" dirty="0"/>
+              <a:t> Convert tweets to lower case characters to remove unevenness.</a:t>
+            </a:r>
+            <a:endParaRPr lang="en-IN" sz="2300" dirty="0"/>
+          </a:p>
+          <a:p>
+            <a:r>
+              <a:rPr lang="en-US" sz="2300" dirty="0"/>
+              <a:t>Classification using Naïve Bayesian technique</a:t>
+            </a:r>
+          </a:p>
+          <a:p>
+            <a:r>
+              <a:rPr lang="en-US" sz="2300" dirty="0" smtClean="0"/>
+              <a:t>Visualization</a:t>
+            </a:r>
+            <a:endParaRPr lang="en-US" sz="2300" dirty="0"/>
+          </a:p>
+        </p:txBody>
+      </p:sp>
+    </p:spTree>
+    <p:extLst>
+      <p:ext uri="{BB962C8B-B14F-4D97-AF65-F5344CB8AC3E}">
+        <p14:creationId xmlns:p14="http://schemas.microsoft.com/office/powerpoint/2010/main" val="3307533843"/>
+      </p:ext>
+    </p:extLst>
+  </p:cSld>
+  <p:clrMapOvr>
+    <a:masterClrMapping/>
+  </p:clrMapOvr>
+</p:sld>
+</file>
+
+<file path=ppt/slides/slide14.xml><?xml version="1.0" encoding="utf-8"?>
+<p:sld xmlns:a="http://schemas.openxmlformats.org/drawingml/2006/main" xmlns:r="http://schemas.openxmlformats.org/officeDocument/2006/relationships" xmlns:p="http://schemas.openxmlformats.org/presentationml/2006/main">
+  <p:cSld>
+    <p:spTree>
+      <p:nvGrpSpPr>
+        <p:cNvPr id="1" name=""/>
+        <p:cNvGrpSpPr/>
+        <p:nvPr/>
+      </p:nvGrpSpPr>
+      <p:grpSpPr>
+        <a:xfrm>
+          <a:off x="0" y="0"/>
+          <a:ext cx="0" cy="0"/>
+          <a:chOff x="0" y="0"/>
+          <a:chExt cx="0" cy="0"/>
+        </a:xfrm>
+      </p:grpSpPr>
+      <p:sp>
+        <p:nvSpPr>
+          <p:cNvPr id="2" name="Title 1"/>
+          <p:cNvSpPr>
+            <a:spLocks noGrp="1"/>
+          </p:cNvSpPr>
+          <p:nvPr>
+            <p:ph type="title"/>
+          </p:nvPr>
+        </p:nvSpPr>
+        <p:spPr/>
+        <p:txBody>
+          <a:bodyPr/>
+          <a:lstStyle/>
+          <a:p>
+            <a:r>
+              <a:rPr lang="en-IN" dirty="0" smtClean="0"/>
+              <a:t>Conclusion</a:t>
+            </a:r>
+            <a:endParaRPr lang="en-IN" dirty="0"/>
+          </a:p>
+        </p:txBody>
+      </p:sp>
+      <p:sp>
+        <p:nvSpPr>
+          <p:cNvPr id="3" name="Content Placeholder 2"/>
+          <p:cNvSpPr>
+            <a:spLocks noGrp="1"/>
+          </p:cNvSpPr>
+          <p:nvPr>
+            <p:ph idx="1"/>
+          </p:nvPr>
+        </p:nvSpPr>
+        <p:spPr/>
+        <p:txBody>
+          <a:bodyPr>
+            <a:normAutofit/>
+          </a:bodyPr>
+          <a:lstStyle/>
+          <a:p>
+            <a:r>
+              <a:rPr lang="en-US" dirty="0" smtClean="0"/>
+              <a:t>We can </a:t>
+            </a:r>
+            <a:r>
+              <a:rPr lang="en-US" dirty="0"/>
+              <a:t>identify the user </a:t>
+            </a:r>
+            <a:r>
+              <a:rPr lang="en-US" dirty="0" err="1"/>
+              <a:t>behaviour</a:t>
+            </a:r>
+            <a:r>
+              <a:rPr lang="en-US" dirty="0"/>
+              <a:t> with the help of </a:t>
+            </a:r>
+            <a:r>
+              <a:rPr lang="en-US" dirty="0" err="1"/>
+              <a:t>user_id</a:t>
+            </a:r>
+            <a:r>
+              <a:rPr lang="en-US" dirty="0"/>
+              <a:t> whether the user is positive, negative or in drifting mode. </a:t>
+            </a:r>
+            <a:endParaRPr lang="en-US" dirty="0" smtClean="0"/>
+          </a:p>
+          <a:p>
+            <a:r>
+              <a:rPr lang="en-US" dirty="0" smtClean="0"/>
+              <a:t>The system </a:t>
+            </a:r>
+            <a:r>
+              <a:rPr lang="en-US" dirty="0"/>
+              <a:t>tells </a:t>
+            </a:r>
+            <a:r>
+              <a:rPr lang="en-US" dirty="0" smtClean="0"/>
+              <a:t>general </a:t>
+            </a:r>
+            <a:r>
+              <a:rPr lang="en-US" dirty="0"/>
+              <a:t>behavior of users </a:t>
+            </a:r>
+            <a:r>
+              <a:rPr lang="en-US" dirty="0" smtClean="0"/>
+              <a:t>country-wise, city-wise </a:t>
+            </a:r>
+            <a:r>
+              <a:rPr lang="en-US" dirty="0"/>
+              <a:t>for a particular topic. </a:t>
+            </a:r>
+            <a:endParaRPr lang="en-US" dirty="0" smtClean="0"/>
+          </a:p>
+          <a:p>
+            <a:r>
+              <a:rPr lang="en-US" dirty="0" smtClean="0"/>
+              <a:t>The </a:t>
+            </a:r>
+            <a:r>
+              <a:rPr lang="en-US" dirty="0"/>
+              <a:t>system is 70-80% accurate.</a:t>
+            </a:r>
+          </a:p>
+        </p:txBody>
+      </p:sp>
+    </p:spTree>
+    <p:extLst>
+      <p:ext uri="{BB962C8B-B14F-4D97-AF65-F5344CB8AC3E}">
+        <p14:creationId xmlns:p14="http://schemas.microsoft.com/office/powerpoint/2010/main" val="3186134910"/>
+      </p:ext>
+    </p:extLst>
+  </p:cSld>
+  <p:clrMapOvr>
+    <a:masterClrMapping/>
+  </p:clrMapOvr>
+</p:sld>
+</file>
+
+<file path=ppt/slides/slide15.xml><?xml version="1.0" encoding="utf-8"?>
+<p:sld xmlns:a="http://schemas.openxmlformats.org/drawingml/2006/main" xmlns:r="http://schemas.openxmlformats.org/officeDocument/2006/relationships" xmlns:p="http://schemas.openxmlformats.org/presentationml/2006/main">
+  <p:cSld>
+    <p:spTree>
+      <p:nvGrpSpPr>
+        <p:cNvPr id="1" name=""/>
+        <p:cNvGrpSpPr/>
+        <p:nvPr/>
+      </p:nvGrpSpPr>
+      <p:grpSpPr>
+        <a:xfrm>
+          <a:off x="0" y="0"/>
+          <a:ext cx="0" cy="0"/>
+          <a:chOff x="0" y="0"/>
+          <a:chExt cx="0" cy="0"/>
+        </a:xfrm>
+      </p:grpSpPr>
+      <p:sp>
+        <p:nvSpPr>
+          <p:cNvPr id="2" name="Title 1"/>
+          <p:cNvSpPr>
+            <a:spLocks noGrp="1"/>
+          </p:cNvSpPr>
+          <p:nvPr>
+            <p:ph type="title"/>
+          </p:nvPr>
+        </p:nvSpPr>
+        <p:spPr/>
+        <p:txBody>
+          <a:bodyPr/>
+          <a:lstStyle/>
+          <a:p>
+            <a:r>
+              <a:rPr lang="en-IN" dirty="0" smtClean="0"/>
+              <a:t>Future Work</a:t>
+            </a:r>
+            <a:endParaRPr lang="en-IN" dirty="0"/>
+          </a:p>
+        </p:txBody>
+      </p:sp>
+      <p:sp>
+        <p:nvSpPr>
+          <p:cNvPr id="3" name="Content Placeholder 2"/>
+          <p:cNvSpPr>
+            <a:spLocks noGrp="1"/>
+          </p:cNvSpPr>
+          <p:nvPr>
+            <p:ph idx="1"/>
+          </p:nvPr>
+        </p:nvSpPr>
+        <p:spPr/>
+        <p:txBody>
+          <a:bodyPr/>
+          <a:lstStyle/>
+          <a:p>
+            <a:r>
+              <a:rPr lang="en-US" dirty="0"/>
+              <a:t>T</a:t>
+            </a:r>
+            <a:r>
+              <a:rPr lang="en-US" dirty="0" smtClean="0"/>
+              <a:t>he </a:t>
+            </a:r>
+            <a:r>
+              <a:rPr lang="en-US" dirty="0"/>
+              <a:t>data can be from multiple sources at the same time. </a:t>
+            </a:r>
+            <a:endParaRPr lang="en-US" dirty="0" smtClean="0"/>
+          </a:p>
+          <a:p>
+            <a:r>
+              <a:rPr lang="en-US" dirty="0" smtClean="0"/>
+              <a:t>Tools like </a:t>
+            </a:r>
+            <a:r>
+              <a:rPr lang="en-US" dirty="0"/>
+              <a:t>R, </a:t>
+            </a:r>
+            <a:r>
+              <a:rPr lang="en-US" dirty="0" err="1"/>
+              <a:t>tablue</a:t>
+            </a:r>
+            <a:r>
+              <a:rPr lang="en-US" dirty="0"/>
+              <a:t> can be integrated. </a:t>
+            </a:r>
+            <a:endParaRPr lang="en-US" dirty="0" smtClean="0"/>
+          </a:p>
+          <a:p>
+            <a:r>
+              <a:rPr lang="en-US" dirty="0" smtClean="0"/>
+              <a:t>Further </a:t>
+            </a:r>
+            <a:r>
+              <a:rPr lang="en-US" dirty="0"/>
+              <a:t>works can be done to improve the efficiency and accuracy</a:t>
+            </a:r>
+            <a:r>
+              <a:rPr lang="en-US" dirty="0" smtClean="0"/>
+              <a:t>. </a:t>
+            </a:r>
+            <a:endParaRPr lang="en-IN" dirty="0"/>
+          </a:p>
+        </p:txBody>
+      </p:sp>
+    </p:spTree>
+    <p:extLst>
+      <p:ext uri="{BB962C8B-B14F-4D97-AF65-F5344CB8AC3E}">
+        <p14:creationId xmlns:p14="http://schemas.microsoft.com/office/powerpoint/2010/main" val="3319882008"/>
+      </p:ext>
+    </p:extLst>
+  </p:cSld>
+  <p:clrMapOvr>
+    <a:masterClrMapping/>
+  </p:clrMapOvr>
+</p:sld>
+</file>
+
+<file path=ppt/slides/slide16.xml><?xml version="1.0" encoding="utf-8"?>
+<p:sld xmlns:a="http://schemas.openxmlformats.org/drawingml/2006/main" xmlns:r="http://schemas.openxmlformats.org/officeDocument/2006/relationships" xmlns:p="http://schemas.openxmlformats.org/presentationml/2006/main">
+  <p:cSld>
+    <p:spTree>
+      <p:nvGrpSpPr>
+        <p:cNvPr id="1" name=""/>
+        <p:cNvGrpSpPr/>
+        <p:nvPr/>
+      </p:nvGrpSpPr>
+      <p:grpSpPr>
+        <a:xfrm>
+          <a:off x="0" y="0"/>
+          <a:ext cx="0" cy="0"/>
+          <a:chOff x="0" y="0"/>
+          <a:chExt cx="0" cy="0"/>
+        </a:xfrm>
+      </p:grpSpPr>
+      <p:sp>
+        <p:nvSpPr>
+          <p:cNvPr id="2" name="Title 1"/>
+          <p:cNvSpPr>
+            <a:spLocks noGrp="1"/>
+          </p:cNvSpPr>
+          <p:nvPr>
+            <p:ph type="title"/>
+          </p:nvPr>
+        </p:nvSpPr>
+        <p:spPr>
+          <a:xfrm>
+            <a:off x="533400" y="2743200"/>
+            <a:ext cx="8229600" cy="1143000"/>
+          </a:xfrm>
+        </p:spPr>
+        <p:txBody>
+          <a:bodyPr/>
+          <a:lstStyle/>
+          <a:p>
+            <a:r>
+              <a:rPr lang="en-IN" dirty="0" smtClean="0"/>
+              <a:t>Thank You.</a:t>
+            </a:r>
+            <a:endParaRPr lang="en-IN" dirty="0"/>
+          </a:p>
+        </p:txBody>
+      </p:sp>
+    </p:spTree>
+    <p:extLst>
+      <p:ext uri="{BB962C8B-B14F-4D97-AF65-F5344CB8AC3E}">
+        <p14:creationId xmlns:p14="http://schemas.microsoft.com/office/powerpoint/2010/main" val="1038808306"/>
       </p:ext>
     </p:extLst>
   </p:cSld>

--- a/Paper 1/Paper Presentation.pptx
+++ b/Paper 1/Paper Presentation.pptx
@@ -6,21 +6,22 @@
   </p:sldMasterIdLst>
   <p:sldIdLst>
     <p:sldId id="256" r:id="rId2"/>
-    <p:sldId id="257" r:id="rId3"/>
-    <p:sldId id="258" r:id="rId4"/>
-    <p:sldId id="266" r:id="rId5"/>
-    <p:sldId id="259" r:id="rId6"/>
-    <p:sldId id="260" r:id="rId7"/>
-    <p:sldId id="261" r:id="rId8"/>
-    <p:sldId id="262" r:id="rId9"/>
-    <p:sldId id="263" r:id="rId10"/>
-    <p:sldId id="264" r:id="rId11"/>
-    <p:sldId id="267" r:id="rId12"/>
-    <p:sldId id="265" r:id="rId13"/>
-    <p:sldId id="268" r:id="rId14"/>
-    <p:sldId id="269" r:id="rId15"/>
-    <p:sldId id="270" r:id="rId16"/>
-    <p:sldId id="271" r:id="rId17"/>
+    <p:sldId id="272" r:id="rId3"/>
+    <p:sldId id="257" r:id="rId4"/>
+    <p:sldId id="258" r:id="rId5"/>
+    <p:sldId id="266" r:id="rId6"/>
+    <p:sldId id="259" r:id="rId7"/>
+    <p:sldId id="260" r:id="rId8"/>
+    <p:sldId id="261" r:id="rId9"/>
+    <p:sldId id="262" r:id="rId10"/>
+    <p:sldId id="263" r:id="rId11"/>
+    <p:sldId id="264" r:id="rId12"/>
+    <p:sldId id="267" r:id="rId13"/>
+    <p:sldId id="265" r:id="rId14"/>
+    <p:sldId id="268" r:id="rId15"/>
+    <p:sldId id="269" r:id="rId16"/>
+    <p:sldId id="270" r:id="rId17"/>
+    <p:sldId id="271" r:id="rId18"/>
   </p:sldIdLst>
   <p:sldSz cx="9144000" cy="6858000" type="screen4x3"/>
   <p:notesSz cx="6858000" cy="9144000"/>
@@ -304,7 +305,7 @@
             <a:fld id="{1D8BD707-D9CF-40AE-B4C6-C98DA3205C09}" type="datetimeFigureOut">
               <a:rPr lang="en-US" smtClean="0"/>
               <a:pPr/>
-              <a:t>6/23/2020</a:t>
+              <a:t>6/24/2020</a:t>
             </a:fld>
             <a:endParaRPr lang="en-US"/>
           </a:p>
@@ -471,7 +472,7 @@
             <a:fld id="{1D8BD707-D9CF-40AE-B4C6-C98DA3205C09}" type="datetimeFigureOut">
               <a:rPr lang="en-US" smtClean="0"/>
               <a:pPr/>
-              <a:t>6/23/2020</a:t>
+              <a:t>6/24/2020</a:t>
             </a:fld>
             <a:endParaRPr lang="en-US"/>
           </a:p>
@@ -648,7 +649,7 @@
             <a:fld id="{1D8BD707-D9CF-40AE-B4C6-C98DA3205C09}" type="datetimeFigureOut">
               <a:rPr lang="en-US" smtClean="0"/>
               <a:pPr/>
-              <a:t>6/23/2020</a:t>
+              <a:t>6/24/2020</a:t>
             </a:fld>
             <a:endParaRPr lang="en-US"/>
           </a:p>
@@ -815,7 +816,7 @@
             <a:fld id="{1D8BD707-D9CF-40AE-B4C6-C98DA3205C09}" type="datetimeFigureOut">
               <a:rPr lang="en-US" smtClean="0"/>
               <a:pPr/>
-              <a:t>6/23/2020</a:t>
+              <a:t>6/24/2020</a:t>
             </a:fld>
             <a:endParaRPr lang="en-US"/>
           </a:p>
@@ -1058,7 +1059,7 @@
             <a:fld id="{1D8BD707-D9CF-40AE-B4C6-C98DA3205C09}" type="datetimeFigureOut">
               <a:rPr lang="en-US" smtClean="0"/>
               <a:pPr/>
-              <a:t>6/23/2020</a:t>
+              <a:t>6/24/2020</a:t>
             </a:fld>
             <a:endParaRPr lang="en-US"/>
           </a:p>
@@ -1343,7 +1344,7 @@
             <a:fld id="{1D8BD707-D9CF-40AE-B4C6-C98DA3205C09}" type="datetimeFigureOut">
               <a:rPr lang="en-US" smtClean="0"/>
               <a:pPr/>
-              <a:t>6/23/2020</a:t>
+              <a:t>6/24/2020</a:t>
             </a:fld>
             <a:endParaRPr lang="en-US"/>
           </a:p>
@@ -1762,7 +1763,7 @@
             <a:fld id="{1D8BD707-D9CF-40AE-B4C6-C98DA3205C09}" type="datetimeFigureOut">
               <a:rPr lang="en-US" smtClean="0"/>
               <a:pPr/>
-              <a:t>6/23/2020</a:t>
+              <a:t>6/24/2020</a:t>
             </a:fld>
             <a:endParaRPr lang="en-US"/>
           </a:p>
@@ -1877,7 +1878,7 @@
             <a:fld id="{1D8BD707-D9CF-40AE-B4C6-C98DA3205C09}" type="datetimeFigureOut">
               <a:rPr lang="en-US" smtClean="0"/>
               <a:pPr/>
-              <a:t>6/23/2020</a:t>
+              <a:t>6/24/2020</a:t>
             </a:fld>
             <a:endParaRPr lang="en-US"/>
           </a:p>
@@ -1969,7 +1970,7 @@
             <a:fld id="{1D8BD707-D9CF-40AE-B4C6-C98DA3205C09}" type="datetimeFigureOut">
               <a:rPr lang="en-US" smtClean="0"/>
               <a:pPr/>
-              <a:t>6/23/2020</a:t>
+              <a:t>6/24/2020</a:t>
             </a:fld>
             <a:endParaRPr lang="en-US"/>
           </a:p>
@@ -2243,7 +2244,7 @@
             <a:fld id="{1D8BD707-D9CF-40AE-B4C6-C98DA3205C09}" type="datetimeFigureOut">
               <a:rPr lang="en-US" smtClean="0"/>
               <a:pPr/>
-              <a:t>6/23/2020</a:t>
+              <a:t>6/24/2020</a:t>
             </a:fld>
             <a:endParaRPr lang="en-US"/>
           </a:p>
@@ -2493,7 +2494,7 @@
             <a:fld id="{1D8BD707-D9CF-40AE-B4C6-C98DA3205C09}" type="datetimeFigureOut">
               <a:rPr lang="en-US" smtClean="0"/>
               <a:pPr/>
-              <a:t>6/23/2020</a:t>
+              <a:t>6/24/2020</a:t>
             </a:fld>
             <a:endParaRPr lang="en-US"/>
           </a:p>
@@ -2703,7 +2704,7 @@
             <a:fld id="{1D8BD707-D9CF-40AE-B4C6-C98DA3205C09}" type="datetimeFigureOut">
               <a:rPr lang="en-US" smtClean="0"/>
               <a:pPr/>
-              <a:t>6/23/2020</a:t>
+              <a:t>6/24/2020</a:t>
             </a:fld>
             <a:endParaRPr lang="en-US"/>
           </a:p>
@@ -3086,7 +3087,9 @@
         </p:nvSpPr>
         <p:spPr/>
         <p:txBody>
-          <a:bodyPr/>
+          <a:bodyPr>
+            <a:normAutofit fontScale="90000"/>
+          </a:bodyPr>
           <a:lstStyle/>
           <a:p>
             <a:r>
@@ -3094,8 +3097,20 @@
               <a:t>Analysis of User Behavior for Twitter Posts on </a:t>
             </a:r>
             <a:r>
-              <a:rPr lang="en-US" dirty="0" err="1"/>
+              <a:rPr lang="en-US" dirty="0" err="1" smtClean="0"/>
               <a:t>Hadoop</a:t>
+            </a:r>
+            <a:r>
+              <a:rPr lang="en-US" dirty="0" smtClean="0"/>
+              <a:t> - </a:t>
+            </a:r>
+            <a:r>
+              <a:rPr lang="en-IN" dirty="0" err="1"/>
+              <a:t>Priya</a:t>
+            </a:r>
+            <a:r>
+              <a:rPr lang="en-IN"/>
+              <a:t> Gupta</a:t>
             </a:r>
             <a:endParaRPr lang="en-IN" dirty="0"/>
           </a:p>
@@ -3190,6 +3205,128 @@
           <a:lstStyle/>
           <a:p>
             <a:r>
+              <a:rPr lang="en-IN" dirty="0" smtClean="0"/>
+              <a:t>Explanation</a:t>
+            </a:r>
+            <a:endParaRPr lang="en-IN" dirty="0"/>
+          </a:p>
+        </p:txBody>
+      </p:sp>
+      <p:sp>
+        <p:nvSpPr>
+          <p:cNvPr id="3" name="Content Placeholder 2"/>
+          <p:cNvSpPr>
+            <a:spLocks noGrp="1"/>
+          </p:cNvSpPr>
+          <p:nvPr>
+            <p:ph idx="1"/>
+          </p:nvPr>
+        </p:nvSpPr>
+        <p:spPr/>
+        <p:txBody>
+          <a:bodyPr>
+            <a:normAutofit fontScale="77500" lnSpcReduction="20000"/>
+          </a:bodyPr>
+          <a:lstStyle/>
+          <a:p>
+            <a:r>
+              <a:rPr lang="en-US" dirty="0"/>
+              <a:t>Firstly, training data collected from various sources is subjected to preprocessing to eliminate features which do not contribute to polarity detection. </a:t>
+            </a:r>
+            <a:endParaRPr lang="en-US" dirty="0" smtClean="0"/>
+          </a:p>
+          <a:p>
+            <a:r>
+              <a:rPr lang="en-US" dirty="0" smtClean="0"/>
+              <a:t>This </a:t>
+            </a:r>
+            <a:r>
+              <a:rPr lang="en-US" dirty="0"/>
+              <a:t>training data is fed into sentiment analysis engine for classifying test data. </a:t>
+            </a:r>
+            <a:endParaRPr lang="en-US" dirty="0" smtClean="0"/>
+          </a:p>
+          <a:p>
+            <a:r>
+              <a:rPr lang="en-US" dirty="0" smtClean="0"/>
+              <a:t>Secondly</a:t>
+            </a:r>
+            <a:r>
+              <a:rPr lang="en-US" dirty="0"/>
+              <a:t>, the input query term is used to fetch data from social media for which polarity is to be detected. </a:t>
+            </a:r>
+            <a:endParaRPr lang="en-US" dirty="0" smtClean="0"/>
+          </a:p>
+          <a:p>
+            <a:r>
+              <a:rPr lang="en-US" dirty="0" smtClean="0"/>
+              <a:t>The </a:t>
+            </a:r>
+            <a:r>
+              <a:rPr lang="en-US" dirty="0"/>
+              <a:t>sentiment analysis engine contains Naive Bayes classification algorithm which consults training data to calculate probabilities and predict the sentiment for given query term. </a:t>
+            </a:r>
+            <a:endParaRPr lang="en-US" dirty="0" smtClean="0"/>
+          </a:p>
+          <a:p>
+            <a:r>
+              <a:rPr lang="en-US" dirty="0" smtClean="0"/>
+              <a:t>Demerits </a:t>
+            </a:r>
+            <a:r>
+              <a:rPr lang="en-US" dirty="0"/>
+              <a:t>with existing system are that it is only used for sentiment analysis of uses i.e. positive, negative or neutral.</a:t>
+            </a:r>
+            <a:endParaRPr lang="en-IN" dirty="0"/>
+          </a:p>
+        </p:txBody>
+      </p:sp>
+    </p:spTree>
+    <p:extLst>
+      <p:ext uri="{BB962C8B-B14F-4D97-AF65-F5344CB8AC3E}">
+        <p14:creationId xmlns:p14="http://schemas.microsoft.com/office/powerpoint/2010/main" val="2118377642"/>
+      </p:ext>
+    </p:extLst>
+  </p:cSld>
+  <p:clrMapOvr>
+    <a:masterClrMapping/>
+  </p:clrMapOvr>
+</p:sld>
+</file>
+
+<file path=ppt/slides/slide11.xml><?xml version="1.0" encoding="utf-8"?>
+<p:sld xmlns:a="http://schemas.openxmlformats.org/drawingml/2006/main" xmlns:r="http://schemas.openxmlformats.org/officeDocument/2006/relationships" xmlns:p="http://schemas.openxmlformats.org/presentationml/2006/main">
+  <p:cSld>
+    <p:spTree>
+      <p:nvGrpSpPr>
+        <p:cNvPr id="1" name=""/>
+        <p:cNvGrpSpPr/>
+        <p:nvPr/>
+      </p:nvGrpSpPr>
+      <p:grpSpPr>
+        <a:xfrm>
+          <a:off x="0" y="0"/>
+          <a:ext cx="0" cy="0"/>
+          <a:chOff x="0" y="0"/>
+          <a:chExt cx="0" cy="0"/>
+        </a:xfrm>
+      </p:grpSpPr>
+      <p:sp>
+        <p:nvSpPr>
+          <p:cNvPr id="2" name="Title 1"/>
+          <p:cNvSpPr>
+            <a:spLocks noGrp="1"/>
+          </p:cNvSpPr>
+          <p:nvPr>
+            <p:ph type="title"/>
+          </p:nvPr>
+        </p:nvSpPr>
+        <p:spPr/>
+        <p:txBody>
+          <a:bodyPr/>
+          <a:lstStyle/>
+          <a:p>
+            <a:r>
               <a:rPr lang="en-US" dirty="0" smtClean="0"/>
               <a:t>Proposed </a:t>
             </a:r>
@@ -3260,7 +3397,7 @@
 </p:sld>
 </file>
 
-<file path=ppt/slides/slide11.xml><?xml version="1.0" encoding="utf-8"?>
+<file path=ppt/slides/slide12.xml><?xml version="1.0" encoding="utf-8"?>
 <p:sld xmlns:a="http://schemas.openxmlformats.org/drawingml/2006/main" xmlns:r="http://schemas.openxmlformats.org/officeDocument/2006/relationships" xmlns:p="http://schemas.openxmlformats.org/presentationml/2006/main">
   <p:cSld>
     <p:spTree>
@@ -3354,175 +3491,6 @@
 </p:sld>
 </file>
 
-<file path=ppt/slides/slide12.xml><?xml version="1.0" encoding="utf-8"?>
-<p:sld xmlns:a="http://schemas.openxmlformats.org/drawingml/2006/main" xmlns:r="http://schemas.openxmlformats.org/officeDocument/2006/relationships" xmlns:p="http://schemas.openxmlformats.org/presentationml/2006/main">
-  <p:cSld>
-    <p:spTree>
-      <p:nvGrpSpPr>
-        <p:cNvPr id="1" name=""/>
-        <p:cNvGrpSpPr/>
-        <p:nvPr/>
-      </p:nvGrpSpPr>
-      <p:grpSpPr>
-        <a:xfrm>
-          <a:off x="0" y="0"/>
-          <a:ext cx="0" cy="0"/>
-          <a:chOff x="0" y="0"/>
-          <a:chExt cx="0" cy="0"/>
-        </a:xfrm>
-      </p:grpSpPr>
-      <p:sp>
-        <p:nvSpPr>
-          <p:cNvPr id="2" name="Title 1"/>
-          <p:cNvSpPr>
-            <a:spLocks noGrp="1"/>
-          </p:cNvSpPr>
-          <p:nvPr>
-            <p:ph type="title"/>
-          </p:nvPr>
-        </p:nvSpPr>
-        <p:spPr/>
-        <p:txBody>
-          <a:bodyPr/>
-          <a:lstStyle/>
-          <a:p>
-            <a:r>
-              <a:rPr lang="en-IN" dirty="0" smtClean="0"/>
-              <a:t>Methodology</a:t>
-            </a:r>
-            <a:endParaRPr lang="en-IN" dirty="0"/>
-          </a:p>
-        </p:txBody>
-      </p:sp>
-      <p:sp>
-        <p:nvSpPr>
-          <p:cNvPr id="3" name="Content Placeholder 2"/>
-          <p:cNvSpPr>
-            <a:spLocks noGrp="1"/>
-          </p:cNvSpPr>
-          <p:nvPr>
-            <p:ph idx="1"/>
-          </p:nvPr>
-        </p:nvSpPr>
-        <p:spPr/>
-        <p:txBody>
-          <a:bodyPr>
-            <a:normAutofit fontScale="77500" lnSpcReduction="20000"/>
-          </a:bodyPr>
-          <a:lstStyle/>
-          <a:p>
-            <a:r>
-              <a:rPr lang="en-US" dirty="0" smtClean="0"/>
-              <a:t>Connected to </a:t>
-            </a:r>
-            <a:r>
-              <a:rPr lang="en-US" dirty="0"/>
-              <a:t>live social media to extract and store data using flume. </a:t>
-            </a:r>
-            <a:endParaRPr lang="en-US" dirty="0" smtClean="0"/>
-          </a:p>
-          <a:p>
-            <a:r>
-              <a:rPr lang="en-US" dirty="0" smtClean="0"/>
-              <a:t>Secondly</a:t>
-            </a:r>
-            <a:r>
-              <a:rPr lang="en-US" dirty="0"/>
-              <a:t>, Data is stored in external repository. Then, convert the JSON tweet data to .CSV file and transfer it to HDFS. </a:t>
-            </a:r>
-            <a:endParaRPr lang="en-US" dirty="0" smtClean="0"/>
-          </a:p>
-          <a:p>
-            <a:r>
-              <a:rPr lang="en-US" dirty="0" smtClean="0"/>
-              <a:t>After </a:t>
-            </a:r>
-            <a:r>
-              <a:rPr lang="en-US" dirty="0"/>
-              <a:t>that, create table in </a:t>
-            </a:r>
-            <a:r>
-              <a:rPr lang="en-US" dirty="0" err="1"/>
-              <a:t>Hadoop</a:t>
-            </a:r>
-            <a:r>
-              <a:rPr lang="en-US" dirty="0"/>
-              <a:t> using hive to give data a tabular form. </a:t>
-            </a:r>
-            <a:endParaRPr lang="en-US" dirty="0" smtClean="0"/>
-          </a:p>
-          <a:p>
-            <a:r>
-              <a:rPr lang="en-US" dirty="0" smtClean="0"/>
-              <a:t>Then</a:t>
-            </a:r>
-            <a:r>
-              <a:rPr lang="en-US" dirty="0"/>
-              <a:t>, do user </a:t>
-            </a:r>
-            <a:r>
-              <a:rPr lang="en-US" dirty="0" err="1"/>
-              <a:t>behaviour</a:t>
-            </a:r>
-            <a:r>
-              <a:rPr lang="en-US" dirty="0"/>
-              <a:t> analysis on tweets by extracting past few tweets of particular user corresponding to </a:t>
-            </a:r>
-            <a:r>
-              <a:rPr lang="en-US" dirty="0" err="1"/>
-              <a:t>tweet_id</a:t>
-            </a:r>
-            <a:r>
-              <a:rPr lang="en-US" dirty="0"/>
-              <a:t>. </a:t>
-            </a:r>
-            <a:endParaRPr lang="en-US" dirty="0" smtClean="0"/>
-          </a:p>
-          <a:p>
-            <a:r>
-              <a:rPr lang="en-US" dirty="0" smtClean="0"/>
-              <a:t>Create </a:t>
-            </a:r>
-            <a:r>
-              <a:rPr lang="en-US" dirty="0"/>
-              <a:t>codes for providing visualization of user </a:t>
-            </a:r>
-            <a:r>
-              <a:rPr lang="en-US" dirty="0" err="1"/>
-              <a:t>behaviour</a:t>
-            </a:r>
-            <a:r>
-              <a:rPr lang="en-US" dirty="0"/>
-              <a:t>. </a:t>
-            </a:r>
-            <a:endParaRPr lang="en-US" dirty="0" smtClean="0"/>
-          </a:p>
-          <a:p>
-            <a:r>
-              <a:rPr lang="en-US" dirty="0" smtClean="0"/>
-              <a:t>Lastly</a:t>
-            </a:r>
-            <a:r>
-              <a:rPr lang="en-US" dirty="0"/>
-              <a:t>, Using naïve Bayesian technique and map reduce to apply the analytics on tweet. </a:t>
-            </a:r>
-            <a:endParaRPr lang="en-IN" dirty="0"/>
-          </a:p>
-        </p:txBody>
-      </p:sp>
-    </p:spTree>
-    <p:extLst>
-      <p:ext uri="{BB962C8B-B14F-4D97-AF65-F5344CB8AC3E}">
-        <p14:creationId xmlns:p14="http://schemas.microsoft.com/office/powerpoint/2010/main" val="2106146974"/>
-      </p:ext>
-    </p:extLst>
-  </p:cSld>
-  <p:clrMapOvr>
-    <a:masterClrMapping/>
-  </p:clrMapOvr>
-</p:sld>
-</file>
-
 <file path=ppt/slides/slide13.xml><?xml version="1.0" encoding="utf-8"?>
 <p:sld xmlns:a="http://schemas.openxmlformats.org/drawingml/2006/main" xmlns:r="http://schemas.openxmlformats.org/officeDocument/2006/relationships" xmlns:p="http://schemas.openxmlformats.org/presentationml/2006/main">
   <p:cSld>
@@ -3557,7 +3525,7 @@
           <a:p>
             <a:r>
               <a:rPr lang="en-IN" dirty="0" smtClean="0"/>
-              <a:t>Steps</a:t>
+              <a:t>Methodology</a:t>
             </a:r>
             <a:endParaRPr lang="en-IN" dirty="0"/>
           </a:p>
@@ -3573,122 +3541,116 @@
             <p:ph idx="1"/>
           </p:nvPr>
         </p:nvSpPr>
-        <p:spPr>
-          <a:xfrm>
-            <a:off x="381000" y="1447800"/>
-            <a:ext cx="8305800" cy="4678363"/>
-          </a:xfrm>
-        </p:spPr>
+        <p:spPr/>
         <p:txBody>
           <a:bodyPr>
-            <a:noAutofit/>
+            <a:normAutofit fontScale="77500" lnSpcReduction="20000"/>
           </a:bodyPr>
           <a:lstStyle/>
           <a:p>
             <a:r>
-              <a:rPr lang="en-IN" sz="2300" dirty="0"/>
-              <a:t>Creating Twitter Application </a:t>
-            </a:r>
-            <a:endParaRPr lang="en-IN" sz="2300" dirty="0" smtClean="0"/>
-          </a:p>
-          <a:p>
-            <a:pPr lvl="1"/>
-            <a:r>
-              <a:rPr lang="en-US" sz="2300" dirty="0"/>
-              <a:t>API Key, API secret, Access token and Access Token Secret.</a:t>
-            </a:r>
-            <a:endParaRPr lang="en-IN" sz="2300" dirty="0"/>
-          </a:p>
-          <a:p>
-            <a:r>
-              <a:rPr lang="en-US" sz="2300" dirty="0"/>
-              <a:t>Extraction of data via </a:t>
-            </a:r>
-            <a:r>
-              <a:rPr lang="en-US" sz="2300" dirty="0" smtClean="0"/>
-              <a:t>Flume</a:t>
-            </a:r>
-          </a:p>
-          <a:p>
-            <a:r>
-              <a:rPr lang="en-US" sz="2300" dirty="0" smtClean="0"/>
-              <a:t>Convert data into </a:t>
-            </a:r>
-            <a:r>
-              <a:rPr lang="en-US" sz="2300" dirty="0"/>
-              <a:t>.</a:t>
-            </a:r>
-            <a:r>
-              <a:rPr lang="en-US" sz="2300" dirty="0" err="1"/>
-              <a:t>csv</a:t>
-            </a:r>
-            <a:r>
-              <a:rPr lang="en-US" sz="2300" dirty="0"/>
-              <a:t> format and </a:t>
-            </a:r>
-            <a:r>
-              <a:rPr lang="en-US" sz="2300" dirty="0" smtClean="0"/>
-              <a:t>upload to HDFS.</a:t>
-            </a:r>
-          </a:p>
-          <a:p>
-            <a:r>
-              <a:rPr lang="en-US" sz="2300" dirty="0"/>
-              <a:t>Run Hive script and create </a:t>
-            </a:r>
-            <a:r>
-              <a:rPr lang="en-US" sz="2300" dirty="0" smtClean="0"/>
-              <a:t>table</a:t>
-            </a:r>
-          </a:p>
-          <a:p>
-            <a:r>
-              <a:rPr lang="en-IN" sz="2300" dirty="0"/>
-              <a:t>Pre-processing of data </a:t>
-            </a:r>
-          </a:p>
-          <a:p>
-            <a:pPr lvl="1"/>
-            <a:r>
-              <a:rPr lang="en-US" sz="2300" dirty="0"/>
-              <a:t>USERNAME, Links,’#’, </a:t>
-            </a:r>
-            <a:r>
-              <a:rPr lang="en-US" sz="2300" dirty="0" err="1"/>
-              <a:t>stopwords</a:t>
-            </a:r>
-            <a:r>
-              <a:rPr lang="en-US" sz="2300" dirty="0"/>
-              <a:t>, punctuations  are removed.</a:t>
-            </a:r>
-          </a:p>
-          <a:p>
-            <a:pPr lvl="1"/>
-            <a:r>
-              <a:rPr lang="en-US" sz="2300" dirty="0"/>
-              <a:t> Convert tweets to lower case characters to remove unevenness.</a:t>
-            </a:r>
-            <a:endParaRPr lang="en-IN" sz="2300" dirty="0"/>
-          </a:p>
-          <a:p>
-            <a:r>
-              <a:rPr lang="en-US" sz="2300" dirty="0"/>
-              <a:t>Classification using Naïve Bayesian technique</a:t>
-            </a:r>
-          </a:p>
-          <a:p>
-            <a:r>
-              <a:rPr lang="en-US" sz="2300" dirty="0" smtClean="0"/>
-              <a:t>Visualization</a:t>
-            </a:r>
-            <a:endParaRPr lang="en-US" sz="2300" dirty="0"/>
+              <a:rPr lang="en-US" dirty="0" smtClean="0"/>
+              <a:t>Connected to </a:t>
+            </a:r>
+            <a:r>
+              <a:rPr lang="en-US" dirty="0"/>
+              <a:t>live social media to extract and store data using flume. </a:t>
+            </a:r>
+            <a:endParaRPr lang="en-US" dirty="0" smtClean="0"/>
+          </a:p>
+          <a:p>
+            <a:r>
+              <a:rPr lang="en-US" dirty="0" smtClean="0"/>
+              <a:t>Secondly</a:t>
+            </a:r>
+            <a:r>
+              <a:rPr lang="en-US" dirty="0"/>
+              <a:t>, Data is stored in external repository. Then, convert the JSON tweet data to .CSV file and transfer it to HDFS. </a:t>
+            </a:r>
+            <a:endParaRPr lang="en-US" dirty="0" smtClean="0"/>
+          </a:p>
+          <a:p>
+            <a:r>
+              <a:rPr lang="en-US" dirty="0" smtClean="0"/>
+              <a:t>After </a:t>
+            </a:r>
+            <a:r>
+              <a:rPr lang="en-US" dirty="0"/>
+              <a:t>that, create table in </a:t>
+            </a:r>
+            <a:r>
+              <a:rPr lang="en-US" dirty="0" err="1"/>
+              <a:t>Hadoop</a:t>
+            </a:r>
+            <a:r>
+              <a:rPr lang="en-US" dirty="0"/>
+              <a:t> using hive to give data a tabular form. </a:t>
+            </a:r>
+            <a:endParaRPr lang="en-US" dirty="0" smtClean="0"/>
+          </a:p>
+          <a:p>
+            <a:r>
+              <a:rPr lang="en-US" dirty="0" smtClean="0"/>
+              <a:t>Then</a:t>
+            </a:r>
+            <a:r>
+              <a:rPr lang="en-US" dirty="0"/>
+              <a:t>, do user </a:t>
+            </a:r>
+            <a:r>
+              <a:rPr lang="en-US" dirty="0" err="1"/>
+              <a:t>behaviour</a:t>
+            </a:r>
+            <a:r>
+              <a:rPr lang="en-US" dirty="0"/>
+              <a:t> analysis on tweets by extracting past few tweets of particular user corresponding to </a:t>
+            </a:r>
+            <a:r>
+              <a:rPr lang="en-US" dirty="0" err="1"/>
+              <a:t>tweet_id</a:t>
+            </a:r>
+            <a:r>
+              <a:rPr lang="en-US" dirty="0"/>
+              <a:t>. </a:t>
+            </a:r>
+            <a:endParaRPr lang="en-US" dirty="0" smtClean="0"/>
+          </a:p>
+          <a:p>
+            <a:r>
+              <a:rPr lang="en-US" dirty="0" smtClean="0"/>
+              <a:t>Create </a:t>
+            </a:r>
+            <a:r>
+              <a:rPr lang="en-US" dirty="0"/>
+              <a:t>codes for providing visualization of user </a:t>
+            </a:r>
+            <a:r>
+              <a:rPr lang="en-US" dirty="0" err="1"/>
+              <a:t>behaviour</a:t>
+            </a:r>
+            <a:r>
+              <a:rPr lang="en-US" dirty="0"/>
+              <a:t>. </a:t>
+            </a:r>
+            <a:endParaRPr lang="en-US" dirty="0" smtClean="0"/>
+          </a:p>
+          <a:p>
+            <a:r>
+              <a:rPr lang="en-US" dirty="0" smtClean="0"/>
+              <a:t>Lastly</a:t>
+            </a:r>
+            <a:r>
+              <a:rPr lang="en-US" dirty="0"/>
+              <a:t>, Using naïve Bayesian technique and map reduce to apply the analytics on tweet. </a:t>
+            </a:r>
+            <a:endParaRPr lang="en-IN" dirty="0"/>
           </a:p>
         </p:txBody>
       </p:sp>
     </p:spTree>
     <p:extLst>
       <p:ext uri="{BB962C8B-B14F-4D97-AF65-F5344CB8AC3E}">
-        <p14:creationId xmlns:p14="http://schemas.microsoft.com/office/powerpoint/2010/main" val="3307533843"/>
+        <p14:creationId xmlns:p14="http://schemas.microsoft.com/office/powerpoint/2010/main" val="2106146974"/>
       </p:ext>
     </p:extLst>
   </p:cSld>
@@ -3732,7 +3694,7 @@
           <a:p>
             <a:r>
               <a:rPr lang="en-IN" dirty="0" smtClean="0"/>
-              <a:t>Conclusion</a:t>
+              <a:t>Steps</a:t>
             </a:r>
             <a:endParaRPr lang="en-IN" dirty="0"/>
           </a:p>
@@ -3748,82 +3710,122 @@
             <p:ph idx="1"/>
           </p:nvPr>
         </p:nvSpPr>
-        <p:spPr/>
+        <p:spPr>
+          <a:xfrm>
+            <a:off x="381000" y="1447800"/>
+            <a:ext cx="8305800" cy="4678363"/>
+          </a:xfrm>
+        </p:spPr>
         <p:txBody>
           <a:bodyPr>
-            <a:normAutofit/>
+            <a:noAutofit/>
           </a:bodyPr>
           <a:lstStyle/>
           <a:p>
             <a:r>
-              <a:rPr lang="en-US" dirty="0" smtClean="0"/>
-              <a:t>We can </a:t>
-            </a:r>
-            <a:r>
-              <a:rPr lang="en-US" dirty="0"/>
-              <a:t>identify the user </a:t>
-            </a:r>
-            <a:r>
-              <a:rPr lang="en-US" dirty="0" err="1"/>
-              <a:t>behaviour</a:t>
-            </a:r>
-            <a:r>
-              <a:rPr lang="en-US" dirty="0"/>
-              <a:t> with the help of </a:t>
-            </a:r>
-            <a:r>
-              <a:rPr lang="en-US" dirty="0" err="1"/>
-              <a:t>user_id</a:t>
-            </a:r>
-            <a:r>
-              <a:rPr lang="en-US" dirty="0"/>
-              <a:t> whether the user is positive, negative or in drifting mode. </a:t>
-            </a:r>
-            <a:endParaRPr lang="en-US" dirty="0" smtClean="0"/>
-          </a:p>
-          <a:p>
-            <a:r>
-              <a:rPr lang="en-US" dirty="0" smtClean="0"/>
-              <a:t>The system </a:t>
-            </a:r>
-            <a:r>
-              <a:rPr lang="en-US" dirty="0"/>
-              <a:t>tells </a:t>
-            </a:r>
-            <a:r>
-              <a:rPr lang="en-US" dirty="0" smtClean="0"/>
-              <a:t>general </a:t>
-            </a:r>
-            <a:r>
-              <a:rPr lang="en-US" dirty="0"/>
-              <a:t>behavior of users </a:t>
-            </a:r>
-            <a:r>
-              <a:rPr lang="en-US" dirty="0" smtClean="0"/>
-              <a:t>country-wise, city-wise </a:t>
-            </a:r>
-            <a:r>
-              <a:rPr lang="en-US" dirty="0"/>
-              <a:t>for a particular topic. </a:t>
-            </a:r>
-            <a:endParaRPr lang="en-US" dirty="0" smtClean="0"/>
-          </a:p>
-          <a:p>
-            <a:r>
-              <a:rPr lang="en-US" dirty="0" smtClean="0"/>
-              <a:t>The </a:t>
-            </a:r>
-            <a:r>
-              <a:rPr lang="en-US" dirty="0"/>
-              <a:t>system is 70-80% accurate.</a:t>
-            </a:r>
+              <a:rPr lang="en-IN" sz="2300" dirty="0"/>
+              <a:t>Creating Twitter Application </a:t>
+            </a:r>
+            <a:endParaRPr lang="en-IN" sz="2300" dirty="0" smtClean="0"/>
+          </a:p>
+          <a:p>
+            <a:pPr lvl="1"/>
+            <a:r>
+              <a:rPr lang="en-US" sz="2300" dirty="0"/>
+              <a:t>API Key, API secret, Access token and Access Token Secret.</a:t>
+            </a:r>
+            <a:endParaRPr lang="en-IN" sz="2300" dirty="0"/>
+          </a:p>
+          <a:p>
+            <a:r>
+              <a:rPr lang="en-US" sz="2300" dirty="0"/>
+              <a:t>Extraction of data via </a:t>
+            </a:r>
+            <a:r>
+              <a:rPr lang="en-US" sz="2300" dirty="0" smtClean="0"/>
+              <a:t>Flume</a:t>
+            </a:r>
+          </a:p>
+          <a:p>
+            <a:r>
+              <a:rPr lang="en-US" sz="2300" dirty="0" smtClean="0"/>
+              <a:t>Convert data into </a:t>
+            </a:r>
+            <a:r>
+              <a:rPr lang="en-US" sz="2300" dirty="0"/>
+              <a:t>.</a:t>
+            </a:r>
+            <a:r>
+              <a:rPr lang="en-US" sz="2300" dirty="0" err="1"/>
+              <a:t>csv</a:t>
+            </a:r>
+            <a:r>
+              <a:rPr lang="en-US" sz="2300" dirty="0"/>
+              <a:t> format and </a:t>
+            </a:r>
+            <a:r>
+              <a:rPr lang="en-US" sz="2300" dirty="0" smtClean="0"/>
+              <a:t>upload to HDFS.</a:t>
+            </a:r>
+          </a:p>
+          <a:p>
+            <a:r>
+              <a:rPr lang="en-US" sz="2300" dirty="0"/>
+              <a:t>Run Hive script and create </a:t>
+            </a:r>
+            <a:r>
+              <a:rPr lang="en-US" sz="2300" dirty="0" smtClean="0"/>
+              <a:t>table</a:t>
+            </a:r>
+          </a:p>
+          <a:p>
+            <a:r>
+              <a:rPr lang="en-IN" sz="2300" dirty="0"/>
+              <a:t>Pre-processing of data </a:t>
+            </a:r>
+          </a:p>
+          <a:p>
+            <a:pPr lvl="1"/>
+            <a:r>
+              <a:rPr lang="en-US" sz="2300" dirty="0"/>
+              <a:t>USERNAME, Links,’#’, </a:t>
+            </a:r>
+            <a:r>
+              <a:rPr lang="en-US" sz="2300" dirty="0" err="1"/>
+              <a:t>stopwords</a:t>
+            </a:r>
+            <a:r>
+              <a:rPr lang="en-US" sz="2300" dirty="0"/>
+              <a:t>, punctuations  are removed.</a:t>
+            </a:r>
+          </a:p>
+          <a:p>
+            <a:pPr lvl="1"/>
+            <a:r>
+              <a:rPr lang="en-US" sz="2300" dirty="0"/>
+              <a:t> Convert tweets to lower case characters to remove unevenness.</a:t>
+            </a:r>
+            <a:endParaRPr lang="en-IN" sz="2300" dirty="0"/>
+          </a:p>
+          <a:p>
+            <a:r>
+              <a:rPr lang="en-US" sz="2300" dirty="0"/>
+              <a:t>Classification using Naïve Bayesian technique</a:t>
+            </a:r>
+          </a:p>
+          <a:p>
+            <a:r>
+              <a:rPr lang="en-US" sz="2300" dirty="0" smtClean="0"/>
+              <a:t>Visualization</a:t>
+            </a:r>
+            <a:endParaRPr lang="en-US" sz="2300" dirty="0"/>
           </a:p>
         </p:txBody>
       </p:sp>
     </p:spTree>
     <p:extLst>
       <p:ext uri="{BB962C8B-B14F-4D97-AF65-F5344CB8AC3E}">
-        <p14:creationId xmlns:p14="http://schemas.microsoft.com/office/powerpoint/2010/main" val="3186134910"/>
+        <p14:creationId xmlns:p14="http://schemas.microsoft.com/office/powerpoint/2010/main" val="3307533843"/>
       </p:ext>
     </p:extLst>
   </p:cSld>
@@ -3867,7 +3869,7 @@
           <a:p>
             <a:r>
               <a:rPr lang="en-IN" dirty="0" smtClean="0"/>
-              <a:t>Future Work</a:t>
+              <a:t>Conclusion</a:t>
             </a:r>
             <a:endParaRPr lang="en-IN" dirty="0"/>
           </a:p>
@@ -3885,63 +3887,80 @@
         </p:nvSpPr>
         <p:spPr/>
         <p:txBody>
-          <a:bodyPr/>
-          <a:lstStyle/>
-          <a:p>
+          <a:bodyPr>
+            <a:normAutofit/>
+          </a:bodyPr>
+          <a:lstStyle/>
+          <a:p>
+            <a:r>
+              <a:rPr lang="en-US" dirty="0" smtClean="0"/>
+              <a:t>We can </a:t>
+            </a:r>
             <a:r>
               <a:rPr lang="en-US" dirty="0"/>
-              <a:t>T</a:t>
-            </a:r>
+              <a:t>identify the user </a:t>
+            </a:r>
+            <a:r>
+              <a:rPr lang="en-US" dirty="0" err="1"/>
+              <a:t>behaviour</a:t>
+            </a:r>
+            <a:r>
+              <a:rPr lang="en-US" dirty="0"/>
+              <a:t> with the help of </a:t>
+            </a:r>
+            <a:r>
+              <a:rPr lang="en-US" dirty="0" err="1"/>
+              <a:t>user_id</a:t>
+            </a:r>
+            <a:r>
+              <a:rPr lang="en-US" dirty="0"/>
+              <a:t> whether the user is positive, negative or in drifting mode. </a:t>
+            </a:r>
+            <a:endParaRPr lang="en-US" dirty="0" smtClean="0"/>
+          </a:p>
+          <a:p>
             <a:r>
               <a:rPr lang="en-US" dirty="0" smtClean="0"/>
-              <a:t>he </a:t>
+              <a:t>The system </a:t>
             </a:r>
             <a:r>
               <a:rPr lang="en-US" dirty="0"/>
-              <a:t>data can be from multiple sources at the same time. </a:t>
+              <a:t>tells </a:t>
+            </a:r>
+            <a:r>
+              <a:rPr lang="en-US" dirty="0" smtClean="0"/>
+              <a:t>general </a:t>
+            </a:r>
+            <a:r>
+              <a:rPr lang="en-US" dirty="0"/>
+              <a:t>behavior of users </a:t>
+            </a:r>
+            <a:r>
+              <a:rPr lang="en-US" dirty="0" smtClean="0"/>
+              <a:t>country-wise, city-wise </a:t>
+            </a:r>
+            <a:r>
+              <a:rPr lang="en-US" dirty="0"/>
+              <a:t>for a particular topic. </a:t>
             </a:r>
             <a:endParaRPr lang="en-US" dirty="0" smtClean="0"/>
           </a:p>
           <a:p>
             <a:r>
               <a:rPr lang="en-US" dirty="0" smtClean="0"/>
-              <a:t>Tools like </a:t>
+              <a:t>The </a:t>
             </a:r>
             <a:r>
               <a:rPr lang="en-US" dirty="0"/>
-              <a:t>R, </a:t>
-            </a:r>
-            <a:r>
-              <a:rPr lang="en-US" dirty="0" err="1"/>
-              <a:t>tablue</a:t>
-            </a:r>
-            <a:r>
-              <a:rPr lang="en-US" dirty="0"/>
-              <a:t> can be integrated. </a:t>
-            </a:r>
-            <a:endParaRPr lang="en-US" dirty="0" smtClean="0"/>
-          </a:p>
-          <a:p>
-            <a:r>
-              <a:rPr lang="en-US" dirty="0" smtClean="0"/>
-              <a:t>Further </a:t>
-            </a:r>
-            <a:r>
-              <a:rPr lang="en-US" dirty="0"/>
-              <a:t>works can be done to improve the efficiency and accuracy</a:t>
-            </a:r>
-            <a:r>
-              <a:rPr lang="en-US" dirty="0" smtClean="0"/>
-              <a:t>. </a:t>
-            </a:r>
-            <a:endParaRPr lang="en-IN" dirty="0"/>
+              <a:t>system is 70-80% accurate.</a:t>
+            </a:r>
           </a:p>
         </p:txBody>
       </p:sp>
     </p:spTree>
     <p:extLst>
       <p:ext uri="{BB962C8B-B14F-4D97-AF65-F5344CB8AC3E}">
-        <p14:creationId xmlns:p14="http://schemas.microsoft.com/office/powerpoint/2010/main" val="3319882008"/>
+        <p14:creationId xmlns:p14="http://schemas.microsoft.com/office/powerpoint/2010/main" val="3186134910"/>
       </p:ext>
     </p:extLst>
   </p:cSld>
@@ -3978,6 +3997,124 @@
             <p:ph type="title"/>
           </p:nvPr>
         </p:nvSpPr>
+        <p:spPr/>
+        <p:txBody>
+          <a:bodyPr/>
+          <a:lstStyle/>
+          <a:p>
+            <a:r>
+              <a:rPr lang="en-IN" dirty="0" smtClean="0"/>
+              <a:t>Future Work</a:t>
+            </a:r>
+            <a:endParaRPr lang="en-IN" dirty="0"/>
+          </a:p>
+        </p:txBody>
+      </p:sp>
+      <p:sp>
+        <p:nvSpPr>
+          <p:cNvPr id="3" name="Content Placeholder 2"/>
+          <p:cNvSpPr>
+            <a:spLocks noGrp="1"/>
+          </p:cNvSpPr>
+          <p:nvPr>
+            <p:ph idx="1"/>
+          </p:nvPr>
+        </p:nvSpPr>
+        <p:spPr/>
+        <p:txBody>
+          <a:bodyPr/>
+          <a:lstStyle/>
+          <a:p>
+            <a:r>
+              <a:rPr lang="en-US" dirty="0"/>
+              <a:t>T</a:t>
+            </a:r>
+            <a:r>
+              <a:rPr lang="en-US" dirty="0" smtClean="0"/>
+              <a:t>he </a:t>
+            </a:r>
+            <a:r>
+              <a:rPr lang="en-US" dirty="0"/>
+              <a:t>data can be from multiple sources at the same time. </a:t>
+            </a:r>
+            <a:endParaRPr lang="en-US" dirty="0" smtClean="0"/>
+          </a:p>
+          <a:p>
+            <a:r>
+              <a:rPr lang="en-US" dirty="0" smtClean="0"/>
+              <a:t>Tools like </a:t>
+            </a:r>
+            <a:r>
+              <a:rPr lang="en-US" dirty="0"/>
+              <a:t>R, </a:t>
+            </a:r>
+            <a:r>
+              <a:rPr lang="en-US" dirty="0" err="1"/>
+              <a:t>tablue</a:t>
+            </a:r>
+            <a:r>
+              <a:rPr lang="en-US" dirty="0"/>
+              <a:t> can be integrated. </a:t>
+            </a:r>
+            <a:endParaRPr lang="en-US" dirty="0" smtClean="0"/>
+          </a:p>
+          <a:p>
+            <a:r>
+              <a:rPr lang="en-US" dirty="0" smtClean="0"/>
+              <a:t>Further </a:t>
+            </a:r>
+            <a:r>
+              <a:rPr lang="en-US" dirty="0"/>
+              <a:t>works can be done to improve the efficiency and accuracy</a:t>
+            </a:r>
+            <a:r>
+              <a:rPr lang="en-US" dirty="0" smtClean="0"/>
+              <a:t>. </a:t>
+            </a:r>
+            <a:endParaRPr lang="en-IN" dirty="0"/>
+          </a:p>
+        </p:txBody>
+      </p:sp>
+    </p:spTree>
+    <p:extLst>
+      <p:ext uri="{BB962C8B-B14F-4D97-AF65-F5344CB8AC3E}">
+        <p14:creationId xmlns:p14="http://schemas.microsoft.com/office/powerpoint/2010/main" val="3319882008"/>
+      </p:ext>
+    </p:extLst>
+  </p:cSld>
+  <p:clrMapOvr>
+    <a:masterClrMapping/>
+  </p:clrMapOvr>
+</p:sld>
+</file>
+
+<file path=ppt/slides/slide17.xml><?xml version="1.0" encoding="utf-8"?>
+<p:sld xmlns:a="http://schemas.openxmlformats.org/drawingml/2006/main" xmlns:r="http://schemas.openxmlformats.org/officeDocument/2006/relationships" xmlns:p="http://schemas.openxmlformats.org/presentationml/2006/main">
+  <p:cSld>
+    <p:spTree>
+      <p:nvGrpSpPr>
+        <p:cNvPr id="1" name=""/>
+        <p:cNvGrpSpPr/>
+        <p:nvPr/>
+      </p:nvGrpSpPr>
+      <p:grpSpPr>
+        <a:xfrm>
+          <a:off x="0" y="0"/>
+          <a:ext cx="0" cy="0"/>
+          <a:chOff x="0" y="0"/>
+          <a:chExt cx="0" cy="0"/>
+        </a:xfrm>
+      </p:grpSpPr>
+      <p:sp>
+        <p:nvSpPr>
+          <p:cNvPr id="2" name="Title 1"/>
+          <p:cNvSpPr>
+            <a:spLocks noGrp="1"/>
+          </p:cNvSpPr>
+          <p:nvPr>
+            <p:ph type="title"/>
+          </p:nvPr>
+        </p:nvSpPr>
         <p:spPr>
           <a:xfrm>
             <a:off x="533400" y="2743200"/>
@@ -4010,6 +4147,142 @@
 </file>
 
 <file path=ppt/slides/slide2.xml><?xml version="1.0" encoding="utf-8"?>
+<p:sld xmlns:a="http://schemas.openxmlformats.org/drawingml/2006/main" xmlns:r="http://schemas.openxmlformats.org/officeDocument/2006/relationships" xmlns:p="http://schemas.openxmlformats.org/presentationml/2006/main">
+  <p:cSld>
+    <p:spTree>
+      <p:nvGrpSpPr>
+        <p:cNvPr id="1" name=""/>
+        <p:cNvGrpSpPr/>
+        <p:nvPr/>
+      </p:nvGrpSpPr>
+      <p:grpSpPr>
+        <a:xfrm>
+          <a:off x="0" y="0"/>
+          <a:ext cx="0" cy="0"/>
+          <a:chOff x="0" y="0"/>
+          <a:chExt cx="0" cy="0"/>
+        </a:xfrm>
+      </p:grpSpPr>
+      <p:sp>
+        <p:nvSpPr>
+          <p:cNvPr id="2" name="Title 1"/>
+          <p:cNvSpPr>
+            <a:spLocks noGrp="1"/>
+          </p:cNvSpPr>
+          <p:nvPr>
+            <p:ph type="title"/>
+          </p:nvPr>
+        </p:nvSpPr>
+        <p:spPr/>
+        <p:txBody>
+          <a:bodyPr/>
+          <a:lstStyle/>
+          <a:p>
+            <a:r>
+              <a:rPr lang="en-IN" dirty="0" smtClean="0"/>
+              <a:t>Index</a:t>
+            </a:r>
+            <a:endParaRPr lang="en-IN" dirty="0"/>
+          </a:p>
+        </p:txBody>
+      </p:sp>
+      <p:sp>
+        <p:nvSpPr>
+          <p:cNvPr id="3" name="Content Placeholder 2"/>
+          <p:cNvSpPr>
+            <a:spLocks noGrp="1"/>
+          </p:cNvSpPr>
+          <p:nvPr>
+            <p:ph idx="1"/>
+          </p:nvPr>
+        </p:nvSpPr>
+        <p:spPr/>
+        <p:txBody>
+          <a:bodyPr>
+            <a:normAutofit lnSpcReduction="10000"/>
+          </a:bodyPr>
+          <a:lstStyle/>
+          <a:p>
+            <a:r>
+              <a:rPr lang="en-IN" dirty="0" smtClean="0"/>
+              <a:t>Introduction – Big Data, Sources, </a:t>
+            </a:r>
+            <a:r>
+              <a:rPr lang="en-IN" dirty="0" err="1" smtClean="0"/>
+              <a:t>Hadoop</a:t>
+            </a:r>
+            <a:r>
+              <a:rPr lang="en-IN" dirty="0" smtClean="0"/>
+              <a:t>, Sentiment Analysis</a:t>
+            </a:r>
+          </a:p>
+          <a:p>
+            <a:r>
+              <a:rPr lang="en-IN" dirty="0" smtClean="0"/>
+              <a:t>Project</a:t>
+            </a:r>
+          </a:p>
+          <a:p>
+            <a:r>
+              <a:rPr lang="en-IN" dirty="0" smtClean="0"/>
+              <a:t>Challenges</a:t>
+            </a:r>
+          </a:p>
+          <a:p>
+            <a:r>
+              <a:rPr lang="en-IN" dirty="0" smtClean="0"/>
+              <a:t>Existing Work</a:t>
+            </a:r>
+          </a:p>
+          <a:p>
+            <a:r>
+              <a:rPr lang="en-IN" dirty="0" smtClean="0"/>
+              <a:t>Proposed Work</a:t>
+            </a:r>
+          </a:p>
+          <a:p>
+            <a:r>
+              <a:rPr lang="en-IN" dirty="0" smtClean="0"/>
+              <a:t>Methodology</a:t>
+            </a:r>
+          </a:p>
+          <a:p>
+            <a:r>
+              <a:rPr lang="en-IN" dirty="0" smtClean="0"/>
+              <a:t>Conclusion and Future Work</a:t>
+            </a:r>
+          </a:p>
+          <a:p>
+            <a:endParaRPr lang="en-IN" dirty="0" smtClean="0"/>
+          </a:p>
+          <a:p>
+            <a:endParaRPr lang="en-IN" dirty="0" smtClean="0"/>
+          </a:p>
+          <a:p>
+            <a:endParaRPr lang="en-IN" dirty="0" smtClean="0"/>
+          </a:p>
+          <a:p>
+            <a:endParaRPr lang="en-IN" dirty="0" smtClean="0"/>
+          </a:p>
+          <a:p>
+            <a:endParaRPr lang="en-IN" dirty="0"/>
+          </a:p>
+        </p:txBody>
+      </p:sp>
+    </p:spTree>
+    <p:extLst>
+      <p:ext uri="{BB962C8B-B14F-4D97-AF65-F5344CB8AC3E}">
+        <p14:creationId xmlns:p14="http://schemas.microsoft.com/office/powerpoint/2010/main" val="2244601084"/>
+      </p:ext>
+    </p:extLst>
+  </p:cSld>
+  <p:clrMapOvr>
+    <a:masterClrMapping/>
+  </p:clrMapOvr>
+</p:sld>
+</file>
+
+<file path=ppt/slides/slide3.xml><?xml version="1.0" encoding="utf-8"?>
 <p:sld xmlns:a="http://schemas.openxmlformats.org/drawingml/2006/main" xmlns:r="http://schemas.openxmlformats.org/officeDocument/2006/relationships" xmlns:p="http://schemas.openxmlformats.org/presentationml/2006/main">
   <p:cSld>
     <p:spTree>
@@ -4169,7 +4442,7 @@
 </p:sld>
 </file>
 
-<file path=ppt/slides/slide3.xml><?xml version="1.0" encoding="utf-8"?>
+<file path=ppt/slides/slide4.xml><?xml version="1.0" encoding="utf-8"?>
 <p:sld xmlns:a="http://schemas.openxmlformats.org/drawingml/2006/main" xmlns:r="http://schemas.openxmlformats.org/officeDocument/2006/relationships" xmlns:p="http://schemas.openxmlformats.org/presentationml/2006/main">
   <p:cSld>
     <p:spTree>
@@ -4270,7 +4543,7 @@
 </p:sld>
 </file>
 
-<file path=ppt/slides/slide4.xml><?xml version="1.0" encoding="utf-8"?>
+<file path=ppt/slides/slide5.xml><?xml version="1.0" encoding="utf-8"?>
 <p:sld xmlns:a="http://schemas.openxmlformats.org/drawingml/2006/main" xmlns:r="http://schemas.openxmlformats.org/officeDocument/2006/relationships" xmlns:p="http://schemas.openxmlformats.org/presentationml/2006/main">
   <p:cSld>
     <p:spTree>
@@ -4401,7 +4674,7 @@
 </p:sld>
 </file>
 
-<file path=ppt/slides/slide5.xml><?xml version="1.0" encoding="utf-8"?>
+<file path=ppt/slides/slide6.xml><?xml version="1.0" encoding="utf-8"?>
 <p:sld xmlns:a="http://schemas.openxmlformats.org/drawingml/2006/main" xmlns:r="http://schemas.openxmlformats.org/officeDocument/2006/relationships" xmlns:p="http://schemas.openxmlformats.org/presentationml/2006/main">
   <p:cSld>
     <p:spTree>
@@ -4479,110 +4752,6 @@
 </p:sld>
 </file>
 
-<file path=ppt/slides/slide6.xml><?xml version="1.0" encoding="utf-8"?>
-<p:sld xmlns:a="http://schemas.openxmlformats.org/drawingml/2006/main" xmlns:r="http://schemas.openxmlformats.org/officeDocument/2006/relationships" xmlns:p="http://schemas.openxmlformats.org/presentationml/2006/main">
-  <p:cSld>
-    <p:spTree>
-      <p:nvGrpSpPr>
-        <p:cNvPr id="1" name=""/>
-        <p:cNvGrpSpPr/>
-        <p:nvPr/>
-      </p:nvGrpSpPr>
-      <p:grpSpPr>
-        <a:xfrm>
-          <a:off x="0" y="0"/>
-          <a:ext cx="0" cy="0"/>
-          <a:chOff x="0" y="0"/>
-          <a:chExt cx="0" cy="0"/>
-        </a:xfrm>
-      </p:grpSpPr>
-      <p:sp>
-        <p:nvSpPr>
-          <p:cNvPr id="2" name="Title 1"/>
-          <p:cNvSpPr>
-            <a:spLocks noGrp="1"/>
-          </p:cNvSpPr>
-          <p:nvPr>
-            <p:ph type="title"/>
-          </p:nvPr>
-        </p:nvSpPr>
-        <p:spPr/>
-        <p:txBody>
-          <a:bodyPr/>
-          <a:lstStyle/>
-          <a:p>
-            <a:r>
-              <a:rPr lang="en-IN" dirty="0" smtClean="0"/>
-              <a:t>Project</a:t>
-            </a:r>
-            <a:endParaRPr lang="en-IN" dirty="0"/>
-          </a:p>
-        </p:txBody>
-      </p:sp>
-      <p:sp>
-        <p:nvSpPr>
-          <p:cNvPr id="3" name="Content Placeholder 2"/>
-          <p:cNvSpPr>
-            <a:spLocks noGrp="1"/>
-          </p:cNvSpPr>
-          <p:nvPr>
-            <p:ph idx="1"/>
-          </p:nvPr>
-        </p:nvSpPr>
-        <p:spPr/>
-        <p:txBody>
-          <a:bodyPr/>
-          <a:lstStyle/>
-          <a:p>
-            <a:r>
-              <a:rPr lang="en-US" dirty="0" smtClean="0"/>
-              <a:t>Tweet analysis </a:t>
-            </a:r>
-            <a:r>
-              <a:rPr lang="en-US" dirty="0"/>
-              <a:t>for user </a:t>
-            </a:r>
-            <a:r>
-              <a:rPr lang="en-US" dirty="0" smtClean="0"/>
-              <a:t>behavior.</a:t>
-            </a:r>
-          </a:p>
-          <a:p>
-            <a:r>
-              <a:rPr lang="en-US" dirty="0"/>
-              <a:t>Tweets are available in JSON format which is to be converted into a structured data</a:t>
-            </a:r>
-            <a:r>
-              <a:rPr lang="en-US" dirty="0" smtClean="0"/>
-              <a:t>.</a:t>
-            </a:r>
-          </a:p>
-          <a:p>
-            <a:r>
-              <a:rPr lang="en-US" dirty="0" smtClean="0"/>
-              <a:t>Output  </a:t>
-            </a:r>
-            <a:r>
-              <a:rPr lang="en-US" dirty="0"/>
-              <a:t>how users behave for particular topic in certain country and city. </a:t>
-            </a:r>
-            <a:endParaRPr lang="en-IN" dirty="0"/>
-          </a:p>
-        </p:txBody>
-      </p:sp>
-    </p:spTree>
-    <p:extLst>
-      <p:ext uri="{BB962C8B-B14F-4D97-AF65-F5344CB8AC3E}">
-        <p14:creationId xmlns:p14="http://schemas.microsoft.com/office/powerpoint/2010/main" val="756008031"/>
-      </p:ext>
-    </p:extLst>
-  </p:cSld>
-  <p:clrMapOvr>
-    <a:masterClrMapping/>
-  </p:clrMapOvr>
-</p:sld>
-</file>
-
 <file path=ppt/slides/slide7.xml><?xml version="1.0" encoding="utf-8"?>
 <p:sld xmlns:a="http://schemas.openxmlformats.org/drawingml/2006/main" xmlns:r="http://schemas.openxmlformats.org/officeDocument/2006/relationships" xmlns:p="http://schemas.openxmlformats.org/presentationml/2006/main">
   <p:cSld>
@@ -4616,6 +4785,110 @@
           <a:lstStyle/>
           <a:p>
             <a:r>
+              <a:rPr lang="en-IN" dirty="0" smtClean="0"/>
+              <a:t>Project</a:t>
+            </a:r>
+            <a:endParaRPr lang="en-IN" dirty="0"/>
+          </a:p>
+        </p:txBody>
+      </p:sp>
+      <p:sp>
+        <p:nvSpPr>
+          <p:cNvPr id="3" name="Content Placeholder 2"/>
+          <p:cNvSpPr>
+            <a:spLocks noGrp="1"/>
+          </p:cNvSpPr>
+          <p:nvPr>
+            <p:ph idx="1"/>
+          </p:nvPr>
+        </p:nvSpPr>
+        <p:spPr/>
+        <p:txBody>
+          <a:bodyPr/>
+          <a:lstStyle/>
+          <a:p>
+            <a:r>
+              <a:rPr lang="en-US" dirty="0" smtClean="0"/>
+              <a:t>Tweet analysis </a:t>
+            </a:r>
+            <a:r>
+              <a:rPr lang="en-US" dirty="0"/>
+              <a:t>for user </a:t>
+            </a:r>
+            <a:r>
+              <a:rPr lang="en-US" dirty="0" smtClean="0"/>
+              <a:t>behavior.</a:t>
+            </a:r>
+          </a:p>
+          <a:p>
+            <a:r>
+              <a:rPr lang="en-US" dirty="0"/>
+              <a:t>Tweets are available in JSON format which is to be converted into a structured data</a:t>
+            </a:r>
+            <a:r>
+              <a:rPr lang="en-US" dirty="0" smtClean="0"/>
+              <a:t>.</a:t>
+            </a:r>
+          </a:p>
+          <a:p>
+            <a:r>
+              <a:rPr lang="en-US" dirty="0" smtClean="0"/>
+              <a:t>Output  </a:t>
+            </a:r>
+            <a:r>
+              <a:rPr lang="en-US" dirty="0"/>
+              <a:t>how users behave for particular topic in certain country and city. </a:t>
+            </a:r>
+            <a:endParaRPr lang="en-IN" dirty="0"/>
+          </a:p>
+        </p:txBody>
+      </p:sp>
+    </p:spTree>
+    <p:extLst>
+      <p:ext uri="{BB962C8B-B14F-4D97-AF65-F5344CB8AC3E}">
+        <p14:creationId xmlns:p14="http://schemas.microsoft.com/office/powerpoint/2010/main" val="756008031"/>
+      </p:ext>
+    </p:extLst>
+  </p:cSld>
+  <p:clrMapOvr>
+    <a:masterClrMapping/>
+  </p:clrMapOvr>
+</p:sld>
+</file>
+
+<file path=ppt/slides/slide8.xml><?xml version="1.0" encoding="utf-8"?>
+<p:sld xmlns:a="http://schemas.openxmlformats.org/drawingml/2006/main" xmlns:r="http://schemas.openxmlformats.org/officeDocument/2006/relationships" xmlns:p="http://schemas.openxmlformats.org/presentationml/2006/main">
+  <p:cSld>
+    <p:spTree>
+      <p:nvGrpSpPr>
+        <p:cNvPr id="1" name=""/>
+        <p:cNvGrpSpPr/>
+        <p:nvPr/>
+      </p:nvGrpSpPr>
+      <p:grpSpPr>
+        <a:xfrm>
+          <a:off x="0" y="0"/>
+          <a:ext cx="0" cy="0"/>
+          <a:chOff x="0" y="0"/>
+          <a:chExt cx="0" cy="0"/>
+        </a:xfrm>
+      </p:grpSpPr>
+      <p:sp>
+        <p:nvSpPr>
+          <p:cNvPr id="2" name="Title 1"/>
+          <p:cNvSpPr>
+            <a:spLocks noGrp="1"/>
+          </p:cNvSpPr>
+          <p:nvPr>
+            <p:ph type="title"/>
+          </p:nvPr>
+        </p:nvSpPr>
+        <p:spPr/>
+        <p:txBody>
+          <a:bodyPr/>
+          <a:lstStyle/>
+          <a:p>
+            <a:r>
               <a:rPr lang="en-US" dirty="0"/>
               <a:t>Challenges with social media data </a:t>
             </a:r>
@@ -4680,7 +4953,7 @@
 </p:sld>
 </file>
 
-<file path=ppt/slides/slide8.xml><?xml version="1.0" encoding="utf-8"?>
+<file path=ppt/slides/slide9.xml><?xml version="1.0" encoding="utf-8"?>
 <p:sld xmlns:a="http://schemas.openxmlformats.org/drawingml/2006/main" xmlns:r="http://schemas.openxmlformats.org/officeDocument/2006/relationships" xmlns:p="http://schemas.openxmlformats.org/presentationml/2006/main">
   <p:cSld>
     <p:spTree>
@@ -4792,128 +5065,6 @@
     <p:extLst>
       <p:ext uri="{BB962C8B-B14F-4D97-AF65-F5344CB8AC3E}">
         <p14:creationId xmlns:p14="http://schemas.microsoft.com/office/powerpoint/2010/main" val="1811158698"/>
-      </p:ext>
-    </p:extLst>
-  </p:cSld>
-  <p:clrMapOvr>
-    <a:masterClrMapping/>
-  </p:clrMapOvr>
-</p:sld>
-</file>
-
-<file path=ppt/slides/slide9.xml><?xml version="1.0" encoding="utf-8"?>
-<p:sld xmlns:a="http://schemas.openxmlformats.org/drawingml/2006/main" xmlns:r="http://schemas.openxmlformats.org/officeDocument/2006/relationships" xmlns:p="http://schemas.openxmlformats.org/presentationml/2006/main">
-  <p:cSld>
-    <p:spTree>
-      <p:nvGrpSpPr>
-        <p:cNvPr id="1" name=""/>
-        <p:cNvGrpSpPr/>
-        <p:nvPr/>
-      </p:nvGrpSpPr>
-      <p:grpSpPr>
-        <a:xfrm>
-          <a:off x="0" y="0"/>
-          <a:ext cx="0" cy="0"/>
-          <a:chOff x="0" y="0"/>
-          <a:chExt cx="0" cy="0"/>
-        </a:xfrm>
-      </p:grpSpPr>
-      <p:sp>
-        <p:nvSpPr>
-          <p:cNvPr id="2" name="Title 1"/>
-          <p:cNvSpPr>
-            <a:spLocks noGrp="1"/>
-          </p:cNvSpPr>
-          <p:nvPr>
-            <p:ph type="title"/>
-          </p:nvPr>
-        </p:nvSpPr>
-        <p:spPr/>
-        <p:txBody>
-          <a:bodyPr/>
-          <a:lstStyle/>
-          <a:p>
-            <a:r>
-              <a:rPr lang="en-IN" dirty="0" smtClean="0"/>
-              <a:t>Explanation</a:t>
-            </a:r>
-            <a:endParaRPr lang="en-IN" dirty="0"/>
-          </a:p>
-        </p:txBody>
-      </p:sp>
-      <p:sp>
-        <p:nvSpPr>
-          <p:cNvPr id="3" name="Content Placeholder 2"/>
-          <p:cNvSpPr>
-            <a:spLocks noGrp="1"/>
-          </p:cNvSpPr>
-          <p:nvPr>
-            <p:ph idx="1"/>
-          </p:nvPr>
-        </p:nvSpPr>
-        <p:spPr/>
-        <p:txBody>
-          <a:bodyPr>
-            <a:normAutofit fontScale="77500" lnSpcReduction="20000"/>
-          </a:bodyPr>
-          <a:lstStyle/>
-          <a:p>
-            <a:r>
-              <a:rPr lang="en-US" dirty="0"/>
-              <a:t>Firstly, training data collected from various sources is subjected to preprocessing to eliminate features which do not contribute to polarity detection. </a:t>
-            </a:r>
-            <a:endParaRPr lang="en-US" dirty="0" smtClean="0"/>
-          </a:p>
-          <a:p>
-            <a:r>
-              <a:rPr lang="en-US" dirty="0" smtClean="0"/>
-              <a:t>This </a:t>
-            </a:r>
-            <a:r>
-              <a:rPr lang="en-US" dirty="0"/>
-              <a:t>training data is fed into sentiment analysis engine for classifying test data. </a:t>
-            </a:r>
-            <a:endParaRPr lang="en-US" dirty="0" smtClean="0"/>
-          </a:p>
-          <a:p>
-            <a:r>
-              <a:rPr lang="en-US" dirty="0" smtClean="0"/>
-              <a:t>Secondly</a:t>
-            </a:r>
-            <a:r>
-              <a:rPr lang="en-US" dirty="0"/>
-              <a:t>, the input query term is used to fetch data from social media for which polarity is to be detected. </a:t>
-            </a:r>
-            <a:endParaRPr lang="en-US" dirty="0" smtClean="0"/>
-          </a:p>
-          <a:p>
-            <a:r>
-              <a:rPr lang="en-US" dirty="0" smtClean="0"/>
-              <a:t>The </a:t>
-            </a:r>
-            <a:r>
-              <a:rPr lang="en-US" dirty="0"/>
-              <a:t>sentiment analysis engine contains Naive Bayes classification algorithm which consults training data to calculate probabilities and predict the sentiment for given query term. </a:t>
-            </a:r>
-            <a:endParaRPr lang="en-US" dirty="0" smtClean="0"/>
-          </a:p>
-          <a:p>
-            <a:r>
-              <a:rPr lang="en-US" dirty="0" smtClean="0"/>
-              <a:t>Demerits </a:t>
-            </a:r>
-            <a:r>
-              <a:rPr lang="en-US" dirty="0"/>
-              <a:t>with existing system are that it is only used for sentiment analysis of uses i.e. positive, negative or neutral.</a:t>
-            </a:r>
-            <a:endParaRPr lang="en-IN" dirty="0"/>
-          </a:p>
-        </p:txBody>
-      </p:sp>
-    </p:spTree>
-    <p:extLst>
-      <p:ext uri="{BB962C8B-B14F-4D97-AF65-F5344CB8AC3E}">
-        <p14:creationId xmlns:p14="http://schemas.microsoft.com/office/powerpoint/2010/main" val="2118377642"/>
       </p:ext>
     </p:extLst>
   </p:cSld>
